--- a/figures/Example Suplemental Diagram of Data Loss.pptx
+++ b/figures/Example Suplemental Diagram of Data Loss.pptx
@@ -6,6 +6,7 @@
   </p:sldMasterIdLst>
   <p:sldIdLst>
     <p:sldId id="256" r:id="rId2"/>
+    <p:sldId id="257" r:id="rId3"/>
   </p:sldIdLst>
   <p:sldSz cx="12192000" cy="6858000"/>
   <p:notesSz cx="6858000" cy="9144000"/>
@@ -104,6 +105,11 @@
       </a:defRPr>
     </a:lvl9pPr>
   </p:defaultTextStyle>
+  <p:extLst>
+    <p:ext uri="{EFAFB233-063F-42B5-8137-9DF3F51BA10A}">
+      <p15:sldGuideLst xmlns:p15="http://schemas.microsoft.com/office/powerpoint/2012/main"/>
+    </p:ext>
+  </p:extLst>
 </p:presentation>
 </file>
 
@@ -3335,7 +3341,7 @@
         </p:nvSpPr>
         <p:spPr>
           <a:xfrm>
-            <a:off x="2872277" y="626655"/>
+            <a:off x="3130694" y="865194"/>
             <a:ext cx="3965509" cy="646331"/>
           </a:xfrm>
           <a:prstGeom prst="rect">
@@ -3383,8 +3389,8 @@
         </p:nvSpPr>
         <p:spPr>
           <a:xfrm>
-            <a:off x="2872280" y="2312645"/>
-            <a:ext cx="3965509" cy="646331"/>
+            <a:off x="3932323" y="2643517"/>
+            <a:ext cx="2362250" cy="369332"/>
           </a:xfrm>
           <a:prstGeom prst="rect">
             <a:avLst/>
@@ -3405,14 +3411,7 @@
             <a:pPr algn="ctr"/>
             <a:r>
               <a:rPr lang="en-US" dirty="0"/>
-              <a:t>1240 Rows x 10 Factors</a:t>
-            </a:r>
-          </a:p>
-          <a:p>
-            <a:pPr algn="ctr"/>
-            <a:r>
-              <a:rPr lang="en-US" dirty="0"/>
-              <a:t>145 Countries and 18 Years Represented</a:t>
+              <a:t>11289 Rows x 6 Factors</a:t>
             </a:r>
           </a:p>
         </p:txBody>
@@ -3433,9 +3432,9 @@
           <p:nvPr/>
         </p:nvCxnSpPr>
         <p:spPr>
-          <a:xfrm>
-            <a:off x="4855032" y="1272986"/>
-            <a:ext cx="3" cy="1039659"/>
+          <a:xfrm flipH="1">
+            <a:off x="5113448" y="1511525"/>
+            <a:ext cx="1" cy="1131992"/>
           </a:xfrm>
           <a:prstGeom prst="straightConnector1">
             <a:avLst/>
@@ -3464,10 +3463,10 @@
       </p:cxnSp>
       <p:sp>
         <p:nvSpPr>
-          <p:cNvPr id="10" name="TextBox 9">
-            <a:extLst>
-              <a:ext uri="{FF2B5EF4-FFF2-40B4-BE49-F238E27FC236}">
-                <a16:creationId xmlns:a16="http://schemas.microsoft.com/office/drawing/2014/main" id="{A6A274E1-5F0D-4E39-9010-076FCFEA966E}"/>
+          <p:cNvPr id="11" name="TextBox 10">
+            <a:extLst>
+              <a:ext uri="{FF2B5EF4-FFF2-40B4-BE49-F238E27FC236}">
+                <a16:creationId xmlns:a16="http://schemas.microsoft.com/office/drawing/2014/main" id="{27782BEF-2D97-4155-B950-4E4A91344242}"/>
               </a:ext>
             </a:extLst>
           </p:cNvPr>
@@ -3476,56 +3475,8 @@
         </p:nvSpPr>
         <p:spPr>
           <a:xfrm>
-            <a:off x="2872277" y="4066973"/>
-            <a:ext cx="3965509" cy="646331"/>
-          </a:xfrm>
-          <a:prstGeom prst="rect">
-            <a:avLst/>
-          </a:prstGeom>
-          <a:noFill/>
-          <a:ln>
-            <a:solidFill>
-              <a:schemeClr val="tx1"/>
-            </a:solidFill>
-          </a:ln>
-        </p:spPr>
-        <p:txBody>
-          <a:bodyPr wrap="none" rtlCol="0">
-            <a:spAutoFit/>
-          </a:bodyPr>
-          <a:lstStyle/>
-          <a:p>
-            <a:pPr algn="ctr"/>
-            <a:r>
-              <a:rPr lang="en-US" dirty="0"/>
-              <a:t>1240 Rows x 10 Factors</a:t>
-            </a:r>
-          </a:p>
-          <a:p>
-            <a:pPr algn="ctr"/>
-            <a:r>
-              <a:rPr lang="en-US" dirty="0"/>
-              <a:t>145 Countries and 18 Years Represented</a:t>
-            </a:r>
-          </a:p>
-        </p:txBody>
-      </p:sp>
-      <p:sp>
-        <p:nvSpPr>
-          <p:cNvPr id="11" name="TextBox 10">
-            <a:extLst>
-              <a:ext uri="{FF2B5EF4-FFF2-40B4-BE49-F238E27FC236}">
-                <a16:creationId xmlns:a16="http://schemas.microsoft.com/office/drawing/2014/main" id="{27782BEF-2D97-4155-B950-4E4A91344242}"/>
-              </a:ext>
-            </a:extLst>
-          </p:cNvPr>
-          <p:cNvSpPr txBox="1"/>
-          <p:nvPr/>
-        </p:nvSpPr>
-        <p:spPr>
-          <a:xfrm>
-            <a:off x="5166054" y="1469650"/>
-            <a:ext cx="5010154" cy="646331"/>
+            <a:off x="5424471" y="1754355"/>
+            <a:ext cx="3994876" cy="646331"/>
           </a:xfrm>
           <a:prstGeom prst="rect">
             <a:avLst/>
@@ -3540,13 +3491,13 @@
           <a:p>
             <a:r>
               <a:rPr lang="en-US" dirty="0"/>
+              <a:t>Select only socioeconomic factors</a:t>
+            </a:r>
+          </a:p>
+          <a:p>
+            <a:r>
+              <a:rPr lang="en-US" dirty="0"/>
               <a:t>Remove factors with &lt;1000 observations</a:t>
-            </a:r>
-          </a:p>
-          <a:p>
-            <a:r>
-              <a:rPr lang="en-US" dirty="0"/>
-              <a:t>Remove observations with &lt;50% attribute coverage</a:t>
             </a:r>
           </a:p>
         </p:txBody>
@@ -3563,14 +3514,14 @@
           <p:cNvCxnSpPr>
             <a:cxnSpLocks/>
             <a:stCxn id="6" idx="2"/>
-            <a:endCxn id="10" idx="0"/>
+            <a:endCxn id="16" idx="0"/>
           </p:cNvCxnSpPr>
           <p:nvPr/>
         </p:nvCxnSpPr>
         <p:spPr>
           <a:xfrm flipH="1">
-            <a:off x="4855032" y="2958976"/>
-            <a:ext cx="3" cy="1107997"/>
+            <a:off x="5113447" y="3012849"/>
+            <a:ext cx="1" cy="1131992"/>
           </a:xfrm>
           <a:prstGeom prst="straightConnector1">
             <a:avLst/>
@@ -3611,8 +3562,8 @@
         </p:nvSpPr>
         <p:spPr>
           <a:xfrm>
-            <a:off x="5166054" y="3328308"/>
-            <a:ext cx="2669000" cy="369332"/>
+            <a:off x="5424471" y="3255679"/>
+            <a:ext cx="4066306" cy="646331"/>
           </a:xfrm>
           <a:prstGeom prst="rect">
             <a:avLst/>
@@ -3630,6 +3581,12 @@
               <a:t>Normalize and center data</a:t>
             </a:r>
           </a:p>
+          <a:p>
+            <a:r>
+              <a:rPr lang="en-US" dirty="0"/>
+              <a:t>Remove observations with missing values</a:t>
+            </a:r>
+          </a:p>
         </p:txBody>
       </p:sp>
       <p:sp>
@@ -3646,7 +3603,7 @@
         </p:nvSpPr>
         <p:spPr>
           <a:xfrm>
-            <a:off x="2872277" y="5845296"/>
+            <a:off x="3130692" y="4144841"/>
             <a:ext cx="3965509" cy="369332"/>
           </a:xfrm>
           <a:prstGeom prst="rect">
@@ -3668,96 +3625,75 @@
             <a:pPr algn="ctr"/>
             <a:r>
               <a:rPr lang="en-US" dirty="0"/>
-              <a:t>X Observations</a:t>
-            </a:r>
-          </a:p>
-        </p:txBody>
-      </p:sp>
-      <p:cxnSp>
-        <p:nvCxnSpPr>
-          <p:cNvPr id="17" name="Straight Arrow Connector 16">
-            <a:extLst>
-              <a:ext uri="{FF2B5EF4-FFF2-40B4-BE49-F238E27FC236}">
-                <a16:creationId xmlns:a16="http://schemas.microsoft.com/office/drawing/2014/main" id="{A4FFEBFC-4440-4941-B54B-5F3885FFA485}"/>
-              </a:ext>
-            </a:extLst>
-          </p:cNvPr>
-          <p:cNvCxnSpPr>
-            <a:cxnSpLocks/>
-            <a:stCxn id="10" idx="2"/>
-            <a:endCxn id="16" idx="0"/>
-          </p:cNvCxnSpPr>
+              <a:t>1021 Rows x 6 Factors</a:t>
+            </a:r>
+          </a:p>
+        </p:txBody>
+      </p:sp>
+    </p:spTree>
+    <p:extLst>
+      <p:ext uri="{BB962C8B-B14F-4D97-AF65-F5344CB8AC3E}">
+        <p14:creationId xmlns:p14="http://schemas.microsoft.com/office/powerpoint/2010/main" val="3724634015"/>
+      </p:ext>
+    </p:extLst>
+  </p:cSld>
+  <p:clrMapOvr>
+    <a:masterClrMapping/>
+  </p:clrMapOvr>
+</p:sld>
+</file>
+
+<file path=ppt/slides/slide2.xml><?xml version="1.0" encoding="utf-8"?>
+<p:sld xmlns:a="http://schemas.openxmlformats.org/drawingml/2006/main" xmlns:r="http://schemas.openxmlformats.org/officeDocument/2006/relationships" xmlns:p="http://schemas.openxmlformats.org/presentationml/2006/main">
+  <p:cSld>
+    <p:spTree>
+      <p:nvGrpSpPr>
+        <p:cNvPr id="1" name=""/>
+        <p:cNvGrpSpPr/>
+        <p:nvPr/>
+      </p:nvGrpSpPr>
+      <p:grpSpPr>
+        <a:xfrm>
+          <a:off x="0" y="0"/>
+          <a:ext cx="0" cy="0"/>
+          <a:chOff x="0" y="0"/>
+          <a:chExt cx="0" cy="0"/>
+        </a:xfrm>
+      </p:grpSpPr>
+      <p:pic>
+        <p:nvPicPr>
+          <p:cNvPr id="9" name="Picture 8">
+            <a:extLst>
+              <a:ext uri="{FF2B5EF4-FFF2-40B4-BE49-F238E27FC236}">
+                <a16:creationId xmlns:a16="http://schemas.microsoft.com/office/drawing/2014/main" id="{4BE10A40-78BB-4211-BA8C-9B017281B4D4}"/>
+              </a:ext>
+            </a:extLst>
+          </p:cNvPr>
+          <p:cNvPicPr>
+            <a:picLocks noChangeAspect="1"/>
+          </p:cNvPicPr>
           <p:nvPr/>
-        </p:nvCxnSpPr>
+        </p:nvPicPr>
+        <p:blipFill>
+          <a:blip r:embed="rId2"/>
+          <a:stretch>
+            <a:fillRect/>
+          </a:stretch>
+        </p:blipFill>
         <p:spPr>
           <a:xfrm>
-            <a:off x="4855032" y="4713304"/>
-            <a:ext cx="0" cy="1131992"/>
-          </a:xfrm>
-          <a:prstGeom prst="straightConnector1">
-            <a:avLst/>
-          </a:prstGeom>
-          <a:ln w="28575">
-            <a:solidFill>
-              <a:schemeClr val="tx1"/>
-            </a:solidFill>
-            <a:tailEnd type="triangle"/>
-          </a:ln>
-        </p:spPr>
-        <p:style>
-          <a:lnRef idx="1">
-            <a:schemeClr val="accent1"/>
-          </a:lnRef>
-          <a:fillRef idx="0">
-            <a:schemeClr val="accent1"/>
-          </a:fillRef>
-          <a:effectRef idx="0">
-            <a:schemeClr val="accent1"/>
-          </a:effectRef>
-          <a:fontRef idx="minor">
-            <a:schemeClr val="tx1"/>
-          </a:fontRef>
-        </p:style>
-      </p:cxnSp>
-      <p:sp>
-        <p:nvSpPr>
-          <p:cNvPr id="18" name="TextBox 17">
-            <a:extLst>
-              <a:ext uri="{FF2B5EF4-FFF2-40B4-BE49-F238E27FC236}">
-                <a16:creationId xmlns:a16="http://schemas.microsoft.com/office/drawing/2014/main" id="{8FB6B510-01AD-4ED7-9255-0A30753E5832}"/>
-              </a:ext>
-            </a:extLst>
-          </p:cNvPr>
-          <p:cNvSpPr txBox="1"/>
-          <p:nvPr/>
-        </p:nvSpPr>
-        <p:spPr>
-          <a:xfrm>
-            <a:off x="5166054" y="5094755"/>
-            <a:ext cx="4267191" cy="369332"/>
+            <a:off x="1451114" y="696713"/>
+            <a:ext cx="9289772" cy="5464574"/>
           </a:xfrm>
           <a:prstGeom prst="rect">
             <a:avLst/>
           </a:prstGeom>
-          <a:noFill/>
         </p:spPr>
-        <p:txBody>
-          <a:bodyPr wrap="square" rtlCol="0">
-            <a:spAutoFit/>
-          </a:bodyPr>
-          <a:lstStyle/>
-          <a:p>
-            <a:r>
-              <a:rPr lang="en-US" dirty="0"/>
-              <a:t>Remove observations with missing values</a:t>
-            </a:r>
-          </a:p>
-        </p:txBody>
-      </p:sp>
+      </p:pic>
     </p:spTree>
     <p:extLst>
       <p:ext uri="{BB962C8B-B14F-4D97-AF65-F5344CB8AC3E}">
-        <p14:creationId xmlns:p14="http://schemas.microsoft.com/office/powerpoint/2010/main" val="3724634015"/>
+        <p14:creationId xmlns:p14="http://schemas.microsoft.com/office/powerpoint/2010/main" val="2205888379"/>
       </p:ext>
     </p:extLst>
   </p:cSld>

--- a/figures/Example Suplemental Diagram of Data Loss.pptx
+++ b/figures/Example Suplemental Diagram of Data Loss.pptx
@@ -7,6 +7,12 @@
   <p:sldIdLst>
     <p:sldId id="256" r:id="rId2"/>
     <p:sldId id="257" r:id="rId3"/>
+    <p:sldId id="258" r:id="rId4"/>
+    <p:sldId id="260" r:id="rId5"/>
+    <p:sldId id="259" r:id="rId6"/>
+    <p:sldId id="261" r:id="rId7"/>
+    <p:sldId id="262" r:id="rId8"/>
+    <p:sldId id="263" r:id="rId9"/>
   </p:sldIdLst>
   <p:sldSz cx="12192000" cy="6858000"/>
   <p:notesSz cx="6858000" cy="9144000"/>
@@ -260,7 +266,7 @@
           <a:p>
             <a:fld id="{7CE6D4B3-3277-43F5-9721-7AA08BF389B4}" type="datetimeFigureOut">
               <a:rPr lang="en-US" smtClean="0"/>
-              <a:t>4/1/2021</a:t>
+              <a:t>4/12/2021</a:t>
             </a:fld>
             <a:endParaRPr lang="en-US"/>
           </a:p>
@@ -458,7 +464,7 @@
           <a:p>
             <a:fld id="{7CE6D4B3-3277-43F5-9721-7AA08BF389B4}" type="datetimeFigureOut">
               <a:rPr lang="en-US" smtClean="0"/>
-              <a:t>4/1/2021</a:t>
+              <a:t>4/12/2021</a:t>
             </a:fld>
             <a:endParaRPr lang="en-US"/>
           </a:p>
@@ -666,7 +672,7 @@
           <a:p>
             <a:fld id="{7CE6D4B3-3277-43F5-9721-7AA08BF389B4}" type="datetimeFigureOut">
               <a:rPr lang="en-US" smtClean="0"/>
-              <a:t>4/1/2021</a:t>
+              <a:t>4/12/2021</a:t>
             </a:fld>
             <a:endParaRPr lang="en-US"/>
           </a:p>
@@ -864,7 +870,7 @@
           <a:p>
             <a:fld id="{7CE6D4B3-3277-43F5-9721-7AA08BF389B4}" type="datetimeFigureOut">
               <a:rPr lang="en-US" smtClean="0"/>
-              <a:t>4/1/2021</a:t>
+              <a:t>4/12/2021</a:t>
             </a:fld>
             <a:endParaRPr lang="en-US"/>
           </a:p>
@@ -1139,7 +1145,7 @@
           <a:p>
             <a:fld id="{7CE6D4B3-3277-43F5-9721-7AA08BF389B4}" type="datetimeFigureOut">
               <a:rPr lang="en-US" smtClean="0"/>
-              <a:t>4/1/2021</a:t>
+              <a:t>4/12/2021</a:t>
             </a:fld>
             <a:endParaRPr lang="en-US"/>
           </a:p>
@@ -1404,7 +1410,7 @@
           <a:p>
             <a:fld id="{7CE6D4B3-3277-43F5-9721-7AA08BF389B4}" type="datetimeFigureOut">
               <a:rPr lang="en-US" smtClean="0"/>
-              <a:t>4/1/2021</a:t>
+              <a:t>4/12/2021</a:t>
             </a:fld>
             <a:endParaRPr lang="en-US"/>
           </a:p>
@@ -1816,7 +1822,7 @@
           <a:p>
             <a:fld id="{7CE6D4B3-3277-43F5-9721-7AA08BF389B4}" type="datetimeFigureOut">
               <a:rPr lang="en-US" smtClean="0"/>
-              <a:t>4/1/2021</a:t>
+              <a:t>4/12/2021</a:t>
             </a:fld>
             <a:endParaRPr lang="en-US"/>
           </a:p>
@@ -1957,7 +1963,7 @@
           <a:p>
             <a:fld id="{7CE6D4B3-3277-43F5-9721-7AA08BF389B4}" type="datetimeFigureOut">
               <a:rPr lang="en-US" smtClean="0"/>
-              <a:t>4/1/2021</a:t>
+              <a:t>4/12/2021</a:t>
             </a:fld>
             <a:endParaRPr lang="en-US"/>
           </a:p>
@@ -2070,7 +2076,7 @@
           <a:p>
             <a:fld id="{7CE6D4B3-3277-43F5-9721-7AA08BF389B4}" type="datetimeFigureOut">
               <a:rPr lang="en-US" smtClean="0"/>
-              <a:t>4/1/2021</a:t>
+              <a:t>4/12/2021</a:t>
             </a:fld>
             <a:endParaRPr lang="en-US"/>
           </a:p>
@@ -2381,7 +2387,7 @@
           <a:p>
             <a:fld id="{7CE6D4B3-3277-43F5-9721-7AA08BF389B4}" type="datetimeFigureOut">
               <a:rPr lang="en-US" smtClean="0"/>
-              <a:t>4/1/2021</a:t>
+              <a:t>4/12/2021</a:t>
             </a:fld>
             <a:endParaRPr lang="en-US"/>
           </a:p>
@@ -2669,7 +2675,7 @@
           <a:p>
             <a:fld id="{7CE6D4B3-3277-43F5-9721-7AA08BF389B4}" type="datetimeFigureOut">
               <a:rPr lang="en-US" smtClean="0"/>
-              <a:t>4/1/2021</a:t>
+              <a:t>4/12/2021</a:t>
             </a:fld>
             <a:endParaRPr lang="en-US"/>
           </a:p>
@@ -2910,7 +2916,7 @@
           <a:p>
             <a:fld id="{7CE6D4B3-3277-43F5-9721-7AA08BF389B4}" type="datetimeFigureOut">
               <a:rPr lang="en-US" smtClean="0"/>
-              <a:t>4/1/2021</a:t>
+              <a:t>4/12/2021</a:t>
             </a:fld>
             <a:endParaRPr lang="en-US"/>
           </a:p>
@@ -3363,7 +3369,7 @@
             <a:pPr algn="ctr"/>
             <a:r>
               <a:rPr lang="en-US" dirty="0"/>
-              <a:t>11289 Rows x 30 Factors</a:t>
+              <a:t>11289 Observations x 30 Factors</a:t>
             </a:r>
           </a:p>
           <a:p>
@@ -3625,7 +3631,7 @@
             <a:pPr algn="ctr"/>
             <a:r>
               <a:rPr lang="en-US" dirty="0"/>
-              <a:t>1021 Rows x 6 Factors</a:t>
+              <a:t>1021 Observations x 6 Factors</a:t>
             </a:r>
           </a:p>
         </p:txBody>
@@ -3703,10 +3709,1576 @@
 </p:sld>
 </file>
 
+<file path=ppt/slides/slide3.xml><?xml version="1.0" encoding="utf-8"?>
+<p:sld xmlns:a="http://schemas.openxmlformats.org/drawingml/2006/main" xmlns:r="http://schemas.openxmlformats.org/officeDocument/2006/relationships" xmlns:p="http://schemas.openxmlformats.org/presentationml/2006/main">
+  <p:cSld>
+    <p:spTree>
+      <p:nvGrpSpPr>
+        <p:cNvPr id="1" name=""/>
+        <p:cNvGrpSpPr/>
+        <p:nvPr/>
+      </p:nvGrpSpPr>
+      <p:grpSpPr>
+        <a:xfrm>
+          <a:off x="0" y="0"/>
+          <a:ext cx="0" cy="0"/>
+          <a:chOff x="0" y="0"/>
+          <a:chExt cx="0" cy="0"/>
+        </a:xfrm>
+      </p:grpSpPr>
+      <p:sp>
+        <p:nvSpPr>
+          <p:cNvPr id="2" name="Oval 1">
+            <a:extLst>
+              <a:ext uri="{FF2B5EF4-FFF2-40B4-BE49-F238E27FC236}">
+                <a16:creationId xmlns:a16="http://schemas.microsoft.com/office/drawing/2014/main" id="{C01D68A5-1CCB-478F-A8C0-8FADF3D80D2D}"/>
+              </a:ext>
+            </a:extLst>
+          </p:cNvPr>
+          <p:cNvSpPr/>
+          <p:nvPr/>
+        </p:nvSpPr>
+        <p:spPr>
+          <a:xfrm>
+            <a:off x="1881775" y="1600200"/>
+            <a:ext cx="3657600" cy="3657600"/>
+          </a:xfrm>
+          <a:prstGeom prst="ellipse">
+            <a:avLst/>
+          </a:prstGeom>
+        </p:spPr>
+        <p:style>
+          <a:lnRef idx="0">
+            <a:schemeClr val="accent1"/>
+          </a:lnRef>
+          <a:fillRef idx="3">
+            <a:schemeClr val="accent1"/>
+          </a:fillRef>
+          <a:effectRef idx="3">
+            <a:schemeClr val="accent1"/>
+          </a:effectRef>
+          <a:fontRef idx="minor">
+            <a:schemeClr val="lt1"/>
+          </a:fontRef>
+        </p:style>
+        <p:txBody>
+          <a:bodyPr rtlCol="0" anchor="ctr"/>
+          <a:lstStyle/>
+          <a:p>
+            <a:pPr algn="ctr"/>
+            <a:endParaRPr lang="en-US" dirty="0"/>
+          </a:p>
+        </p:txBody>
+      </p:sp>
+      <p:sp>
+        <p:nvSpPr>
+          <p:cNvPr id="3" name="Oval 2">
+            <a:extLst>
+              <a:ext uri="{FF2B5EF4-FFF2-40B4-BE49-F238E27FC236}">
+                <a16:creationId xmlns:a16="http://schemas.microsoft.com/office/drawing/2014/main" id="{2A7D3F0B-9E9F-4AEA-BECE-E8D219C30710}"/>
+              </a:ext>
+            </a:extLst>
+          </p:cNvPr>
+          <p:cNvSpPr/>
+          <p:nvPr/>
+        </p:nvSpPr>
+        <p:spPr>
+          <a:xfrm>
+            <a:off x="3436255" y="3154680"/>
+            <a:ext cx="548640" cy="548640"/>
+          </a:xfrm>
+          <a:prstGeom prst="ellipse">
+            <a:avLst/>
+          </a:prstGeom>
+        </p:spPr>
+        <p:style>
+          <a:lnRef idx="0">
+            <a:schemeClr val="accent2"/>
+          </a:lnRef>
+          <a:fillRef idx="3">
+            <a:schemeClr val="accent2"/>
+          </a:fillRef>
+          <a:effectRef idx="3">
+            <a:schemeClr val="accent2"/>
+          </a:effectRef>
+          <a:fontRef idx="minor">
+            <a:schemeClr val="lt1"/>
+          </a:fontRef>
+        </p:style>
+        <p:txBody>
+          <a:bodyPr rtlCol="0" anchor="ctr"/>
+          <a:lstStyle/>
+          <a:p>
+            <a:pPr algn="ctr"/>
+            <a:endParaRPr lang="en-US"/>
+          </a:p>
+        </p:txBody>
+      </p:sp>
+      <p:sp>
+        <p:nvSpPr>
+          <p:cNvPr id="4" name="TextBox 3">
+            <a:extLst>
+              <a:ext uri="{FF2B5EF4-FFF2-40B4-BE49-F238E27FC236}">
+                <a16:creationId xmlns:a16="http://schemas.microsoft.com/office/drawing/2014/main" id="{8F06922C-39A3-4FB4-9DF5-BDD80592BBFC}"/>
+              </a:ext>
+            </a:extLst>
+          </p:cNvPr>
+          <p:cNvSpPr txBox="1"/>
+          <p:nvPr/>
+        </p:nvSpPr>
+        <p:spPr>
+          <a:xfrm>
+            <a:off x="2441766" y="775454"/>
+            <a:ext cx="2537618" cy="369332"/>
+          </a:xfrm>
+          <a:prstGeom prst="rect">
+            <a:avLst/>
+          </a:prstGeom>
+          <a:noFill/>
+        </p:spPr>
+        <p:txBody>
+          <a:bodyPr wrap="none" rtlCol="0">
+            <a:spAutoFit/>
+          </a:bodyPr>
+          <a:lstStyle/>
+          <a:p>
+            <a:r>
+              <a:rPr lang="en-US" dirty="0"/>
+              <a:t>Start vs end rows by area</a:t>
+            </a:r>
+          </a:p>
+        </p:txBody>
+      </p:sp>
+      <p:sp>
+        <p:nvSpPr>
+          <p:cNvPr id="8" name="Oval 7">
+            <a:extLst>
+              <a:ext uri="{FF2B5EF4-FFF2-40B4-BE49-F238E27FC236}">
+                <a16:creationId xmlns:a16="http://schemas.microsoft.com/office/drawing/2014/main" id="{E38760F8-0FE3-4D6F-B6CC-43C35DEADAC8}"/>
+              </a:ext>
+            </a:extLst>
+          </p:cNvPr>
+          <p:cNvSpPr/>
+          <p:nvPr/>
+        </p:nvSpPr>
+        <p:spPr>
+          <a:xfrm>
+            <a:off x="6592858" y="1600200"/>
+            <a:ext cx="3657600" cy="3657600"/>
+          </a:xfrm>
+          <a:prstGeom prst="ellipse">
+            <a:avLst/>
+          </a:prstGeom>
+        </p:spPr>
+        <p:style>
+          <a:lnRef idx="0">
+            <a:schemeClr val="accent1"/>
+          </a:lnRef>
+          <a:fillRef idx="3">
+            <a:schemeClr val="accent1"/>
+          </a:fillRef>
+          <a:effectRef idx="3">
+            <a:schemeClr val="accent1"/>
+          </a:effectRef>
+          <a:fontRef idx="minor">
+            <a:schemeClr val="lt1"/>
+          </a:fontRef>
+        </p:style>
+        <p:txBody>
+          <a:bodyPr rtlCol="0" anchor="ctr"/>
+          <a:lstStyle/>
+          <a:p>
+            <a:pPr algn="ctr"/>
+            <a:endParaRPr lang="en-US"/>
+          </a:p>
+        </p:txBody>
+      </p:sp>
+      <p:sp>
+        <p:nvSpPr>
+          <p:cNvPr id="9" name="Oval 8">
+            <a:extLst>
+              <a:ext uri="{FF2B5EF4-FFF2-40B4-BE49-F238E27FC236}">
+                <a16:creationId xmlns:a16="http://schemas.microsoft.com/office/drawing/2014/main" id="{FAABD168-8B37-448B-A564-F473C6706927}"/>
+              </a:ext>
+            </a:extLst>
+          </p:cNvPr>
+          <p:cNvSpPr/>
+          <p:nvPr/>
+        </p:nvSpPr>
+        <p:spPr>
+          <a:xfrm>
+            <a:off x="8298214" y="3305556"/>
+            <a:ext cx="246888" cy="246888"/>
+          </a:xfrm>
+          <a:prstGeom prst="ellipse">
+            <a:avLst/>
+          </a:prstGeom>
+        </p:spPr>
+        <p:style>
+          <a:lnRef idx="0">
+            <a:schemeClr val="accent2"/>
+          </a:lnRef>
+          <a:fillRef idx="3">
+            <a:schemeClr val="accent2"/>
+          </a:fillRef>
+          <a:effectRef idx="3">
+            <a:schemeClr val="accent2"/>
+          </a:effectRef>
+          <a:fontRef idx="minor">
+            <a:schemeClr val="lt1"/>
+          </a:fontRef>
+        </p:style>
+        <p:txBody>
+          <a:bodyPr rtlCol="0" anchor="ctr"/>
+          <a:lstStyle/>
+          <a:p>
+            <a:pPr algn="ctr"/>
+            <a:endParaRPr lang="en-US"/>
+          </a:p>
+        </p:txBody>
+      </p:sp>
+      <p:sp>
+        <p:nvSpPr>
+          <p:cNvPr id="10" name="TextBox 9">
+            <a:extLst>
+              <a:ext uri="{FF2B5EF4-FFF2-40B4-BE49-F238E27FC236}">
+                <a16:creationId xmlns:a16="http://schemas.microsoft.com/office/drawing/2014/main" id="{9F2D085C-28F3-40F7-95B1-AB7F20B0D1F1}"/>
+              </a:ext>
+            </a:extLst>
+          </p:cNvPr>
+          <p:cNvSpPr txBox="1"/>
+          <p:nvPr/>
+        </p:nvSpPr>
+        <p:spPr>
+          <a:xfrm>
+            <a:off x="6912956" y="775454"/>
+            <a:ext cx="3264292" cy="369332"/>
+          </a:xfrm>
+          <a:prstGeom prst="rect">
+            <a:avLst/>
+          </a:prstGeom>
+          <a:noFill/>
+        </p:spPr>
+        <p:txBody>
+          <a:bodyPr wrap="none" rtlCol="0">
+            <a:spAutoFit/>
+          </a:bodyPr>
+          <a:lstStyle/>
+          <a:p>
+            <a:r>
+              <a:rPr lang="en-US" dirty="0"/>
+              <a:t>Start vs end rows*factors by area</a:t>
+            </a:r>
+          </a:p>
+        </p:txBody>
+      </p:sp>
+      <p:sp>
+        <p:nvSpPr>
+          <p:cNvPr id="12" name="TextBox 11">
+            <a:extLst>
+              <a:ext uri="{FF2B5EF4-FFF2-40B4-BE49-F238E27FC236}">
+                <a16:creationId xmlns:a16="http://schemas.microsoft.com/office/drawing/2014/main" id="{D2F924E0-CD25-4DDF-B23E-3A872C16FBE9}"/>
+              </a:ext>
+            </a:extLst>
+          </p:cNvPr>
+          <p:cNvSpPr txBox="1"/>
+          <p:nvPr/>
+        </p:nvSpPr>
+        <p:spPr>
+          <a:xfrm>
+            <a:off x="1808033" y="2514600"/>
+            <a:ext cx="3805084" cy="369332"/>
+          </a:xfrm>
+          <a:prstGeom prst="rect">
+            <a:avLst/>
+          </a:prstGeom>
+          <a:noFill/>
+        </p:spPr>
+        <p:txBody>
+          <a:bodyPr wrap="square">
+            <a:spAutoFit/>
+          </a:bodyPr>
+          <a:lstStyle/>
+          <a:p>
+            <a:pPr algn="ctr"/>
+            <a:r>
+              <a:rPr lang="en-US" b="1" dirty="0"/>
+              <a:t>11289 Observations, 30 Factors</a:t>
+            </a:r>
+          </a:p>
+        </p:txBody>
+      </p:sp>
+      <p:sp>
+        <p:nvSpPr>
+          <p:cNvPr id="14" name="TextBox 13">
+            <a:extLst>
+              <a:ext uri="{FF2B5EF4-FFF2-40B4-BE49-F238E27FC236}">
+                <a16:creationId xmlns:a16="http://schemas.microsoft.com/office/drawing/2014/main" id="{25D101FE-74F4-4BB9-A3B3-71EF51F38323}"/>
+              </a:ext>
+            </a:extLst>
+          </p:cNvPr>
+          <p:cNvSpPr txBox="1"/>
+          <p:nvPr/>
+        </p:nvSpPr>
+        <p:spPr>
+          <a:xfrm>
+            <a:off x="2127582" y="3703320"/>
+            <a:ext cx="3014690" cy="369332"/>
+          </a:xfrm>
+          <a:prstGeom prst="rect">
+            <a:avLst/>
+          </a:prstGeom>
+          <a:noFill/>
+        </p:spPr>
+        <p:txBody>
+          <a:bodyPr wrap="square">
+            <a:spAutoFit/>
+          </a:bodyPr>
+          <a:lstStyle/>
+          <a:p>
+            <a:pPr algn="ctr"/>
+            <a:r>
+              <a:rPr lang="en-US" b="1" dirty="0"/>
+              <a:t>1021 Observations, 6 Factors</a:t>
+            </a:r>
+          </a:p>
+        </p:txBody>
+      </p:sp>
+      <p:sp>
+        <p:nvSpPr>
+          <p:cNvPr id="15" name="TextBox 14">
+            <a:extLst>
+              <a:ext uri="{FF2B5EF4-FFF2-40B4-BE49-F238E27FC236}">
+                <a16:creationId xmlns:a16="http://schemas.microsoft.com/office/drawing/2014/main" id="{D30CA970-AAC6-4B1A-8000-78BD3B12CBC2}"/>
+              </a:ext>
+            </a:extLst>
+          </p:cNvPr>
+          <p:cNvSpPr txBox="1"/>
+          <p:nvPr/>
+        </p:nvSpPr>
+        <p:spPr>
+          <a:xfrm>
+            <a:off x="6519115" y="2237601"/>
+            <a:ext cx="3805084" cy="646331"/>
+          </a:xfrm>
+          <a:prstGeom prst="rect">
+            <a:avLst/>
+          </a:prstGeom>
+          <a:noFill/>
+        </p:spPr>
+        <p:txBody>
+          <a:bodyPr wrap="square">
+            <a:spAutoFit/>
+          </a:bodyPr>
+          <a:lstStyle/>
+          <a:p>
+            <a:pPr algn="ctr"/>
+            <a:r>
+              <a:rPr lang="en-US" b="1" dirty="0"/>
+              <a:t>Initial Composite Data</a:t>
+            </a:r>
+          </a:p>
+          <a:p>
+            <a:pPr algn="ctr"/>
+            <a:r>
+              <a:rPr lang="en-US" b="1" dirty="0"/>
+              <a:t>11289 Observations, 30 Factors</a:t>
+            </a:r>
+          </a:p>
+        </p:txBody>
+      </p:sp>
+      <p:sp>
+        <p:nvSpPr>
+          <p:cNvPr id="16" name="TextBox 15">
+            <a:extLst>
+              <a:ext uri="{FF2B5EF4-FFF2-40B4-BE49-F238E27FC236}">
+                <a16:creationId xmlns:a16="http://schemas.microsoft.com/office/drawing/2014/main" id="{F4BE69D4-B7C0-4F2B-B8A8-C73FD928F116}"/>
+              </a:ext>
+            </a:extLst>
+          </p:cNvPr>
+          <p:cNvSpPr txBox="1"/>
+          <p:nvPr/>
+        </p:nvSpPr>
+        <p:spPr>
+          <a:xfrm>
+            <a:off x="6725644" y="3552444"/>
+            <a:ext cx="3392026" cy="646331"/>
+          </a:xfrm>
+          <a:prstGeom prst="rect">
+            <a:avLst/>
+          </a:prstGeom>
+          <a:noFill/>
+        </p:spPr>
+        <p:txBody>
+          <a:bodyPr wrap="square">
+            <a:spAutoFit/>
+          </a:bodyPr>
+          <a:lstStyle/>
+          <a:p>
+            <a:pPr algn="ctr"/>
+            <a:r>
+              <a:rPr lang="en-US" b="1" dirty="0"/>
+              <a:t>Data Filtered For Completeness</a:t>
+            </a:r>
+          </a:p>
+          <a:p>
+            <a:pPr algn="ctr"/>
+            <a:r>
+              <a:rPr lang="en-US" b="1" dirty="0"/>
+              <a:t>1021 Observations, 6 Factors</a:t>
+            </a:r>
+          </a:p>
+        </p:txBody>
+      </p:sp>
+      <p:sp>
+        <p:nvSpPr>
+          <p:cNvPr id="21" name="TextBox 20">
+            <a:extLst>
+              <a:ext uri="{FF2B5EF4-FFF2-40B4-BE49-F238E27FC236}">
+                <a16:creationId xmlns:a16="http://schemas.microsoft.com/office/drawing/2014/main" id="{977133D7-3DD8-49B8-871A-FA6BE990F08A}"/>
+              </a:ext>
+            </a:extLst>
+          </p:cNvPr>
+          <p:cNvSpPr txBox="1"/>
+          <p:nvPr/>
+        </p:nvSpPr>
+        <p:spPr>
+          <a:xfrm>
+            <a:off x="1621696" y="667732"/>
+            <a:ext cx="393056" cy="584775"/>
+          </a:xfrm>
+          <a:prstGeom prst="rect">
+            <a:avLst/>
+          </a:prstGeom>
+          <a:noFill/>
+        </p:spPr>
+        <p:txBody>
+          <a:bodyPr wrap="none" rtlCol="0">
+            <a:spAutoFit/>
+          </a:bodyPr>
+          <a:lstStyle/>
+          <a:p>
+            <a:r>
+              <a:rPr lang="en-US" sz="3200" b="1" dirty="0"/>
+              <a:t>1</a:t>
+            </a:r>
+          </a:p>
+        </p:txBody>
+      </p:sp>
+      <p:sp>
+        <p:nvSpPr>
+          <p:cNvPr id="22" name="TextBox 21">
+            <a:extLst>
+              <a:ext uri="{FF2B5EF4-FFF2-40B4-BE49-F238E27FC236}">
+                <a16:creationId xmlns:a16="http://schemas.microsoft.com/office/drawing/2014/main" id="{151ABD58-EF2A-4DFF-82A1-6F1B3C4305D4}"/>
+              </a:ext>
+            </a:extLst>
+          </p:cNvPr>
+          <p:cNvSpPr txBox="1"/>
+          <p:nvPr/>
+        </p:nvSpPr>
+        <p:spPr>
+          <a:xfrm>
+            <a:off x="6183734" y="667731"/>
+            <a:ext cx="393056" cy="584775"/>
+          </a:xfrm>
+          <a:prstGeom prst="rect">
+            <a:avLst/>
+          </a:prstGeom>
+          <a:noFill/>
+        </p:spPr>
+        <p:txBody>
+          <a:bodyPr wrap="square" rtlCol="0">
+            <a:spAutoFit/>
+          </a:bodyPr>
+          <a:lstStyle/>
+          <a:p>
+            <a:r>
+              <a:rPr lang="en-US" sz="3200" b="1" dirty="0"/>
+              <a:t>2</a:t>
+            </a:r>
+          </a:p>
+        </p:txBody>
+      </p:sp>
+    </p:spTree>
+    <p:extLst>
+      <p:ext uri="{BB962C8B-B14F-4D97-AF65-F5344CB8AC3E}">
+        <p14:creationId xmlns:p14="http://schemas.microsoft.com/office/powerpoint/2010/main" val="3432186490"/>
+      </p:ext>
+    </p:extLst>
+  </p:cSld>
+  <p:clrMapOvr>
+    <a:masterClrMapping/>
+  </p:clrMapOvr>
+</p:sld>
+</file>
+
+<file path=ppt/slides/slide4.xml><?xml version="1.0" encoding="utf-8"?>
+<p:sld xmlns:a="http://schemas.openxmlformats.org/drawingml/2006/main" xmlns:r="http://schemas.openxmlformats.org/officeDocument/2006/relationships" xmlns:p="http://schemas.openxmlformats.org/presentationml/2006/main">
+  <p:cSld>
+    <p:spTree>
+      <p:nvGrpSpPr>
+        <p:cNvPr id="1" name=""/>
+        <p:cNvGrpSpPr/>
+        <p:nvPr/>
+      </p:nvGrpSpPr>
+      <p:grpSpPr>
+        <a:xfrm>
+          <a:off x="0" y="0"/>
+          <a:ext cx="0" cy="0"/>
+          <a:chOff x="0" y="0"/>
+          <a:chExt cx="0" cy="0"/>
+        </a:xfrm>
+      </p:grpSpPr>
+      <p:pic>
+        <p:nvPicPr>
+          <p:cNvPr id="25" name="Picture 24">
+            <a:extLst>
+              <a:ext uri="{FF2B5EF4-FFF2-40B4-BE49-F238E27FC236}">
+                <a16:creationId xmlns:a16="http://schemas.microsoft.com/office/drawing/2014/main" id="{286D9D87-E609-453F-B378-10D1FE91DBFC}"/>
+              </a:ext>
+            </a:extLst>
+          </p:cNvPr>
+          <p:cNvPicPr>
+            <a:picLocks noChangeAspect="1"/>
+          </p:cNvPicPr>
+          <p:nvPr/>
+        </p:nvPicPr>
+        <p:blipFill>
+          <a:blip r:embed="rId2"/>
+          <a:stretch>
+            <a:fillRect/>
+          </a:stretch>
+        </p:blipFill>
+        <p:spPr>
+          <a:xfrm>
+            <a:off x="1526652" y="1054402"/>
+            <a:ext cx="9138696" cy="4749196"/>
+          </a:xfrm>
+          <a:prstGeom prst="rect">
+            <a:avLst/>
+          </a:prstGeom>
+        </p:spPr>
+      </p:pic>
+    </p:spTree>
+    <p:extLst>
+      <p:ext uri="{BB962C8B-B14F-4D97-AF65-F5344CB8AC3E}">
+        <p14:creationId xmlns:p14="http://schemas.microsoft.com/office/powerpoint/2010/main" val="3923875674"/>
+      </p:ext>
+    </p:extLst>
+  </p:cSld>
+  <p:clrMapOvr>
+    <a:masterClrMapping/>
+  </p:clrMapOvr>
+</p:sld>
+</file>
+
+<file path=ppt/slides/slide5.xml><?xml version="1.0" encoding="utf-8"?>
+<p:sld xmlns:a="http://schemas.openxmlformats.org/drawingml/2006/main" xmlns:r="http://schemas.openxmlformats.org/officeDocument/2006/relationships" xmlns:p="http://schemas.openxmlformats.org/presentationml/2006/main">
+  <p:cSld>
+    <p:spTree>
+      <p:nvGrpSpPr>
+        <p:cNvPr id="1" name=""/>
+        <p:cNvGrpSpPr/>
+        <p:nvPr/>
+      </p:nvGrpSpPr>
+      <p:grpSpPr>
+        <a:xfrm>
+          <a:off x="0" y="0"/>
+          <a:ext cx="0" cy="0"/>
+          <a:chOff x="0" y="0"/>
+          <a:chExt cx="0" cy="0"/>
+        </a:xfrm>
+      </p:grpSpPr>
+      <p:sp>
+        <p:nvSpPr>
+          <p:cNvPr id="6" name="Rectangle 5">
+            <a:extLst>
+              <a:ext uri="{FF2B5EF4-FFF2-40B4-BE49-F238E27FC236}">
+                <a16:creationId xmlns:a16="http://schemas.microsoft.com/office/drawing/2014/main" id="{C79DB542-4463-4FF0-8E8D-79F4F7974520}"/>
+              </a:ext>
+            </a:extLst>
+          </p:cNvPr>
+          <p:cNvSpPr/>
+          <p:nvPr/>
+        </p:nvSpPr>
+        <p:spPr>
+          <a:xfrm>
+            <a:off x="1032387" y="2116392"/>
+            <a:ext cx="10323576" cy="2743200"/>
+          </a:xfrm>
+          <a:prstGeom prst="rect">
+            <a:avLst/>
+          </a:prstGeom>
+        </p:spPr>
+        <p:style>
+          <a:lnRef idx="0">
+            <a:schemeClr val="accent1"/>
+          </a:lnRef>
+          <a:fillRef idx="3">
+            <a:schemeClr val="accent1"/>
+          </a:fillRef>
+          <a:effectRef idx="3">
+            <a:schemeClr val="accent1"/>
+          </a:effectRef>
+          <a:fontRef idx="minor">
+            <a:schemeClr val="lt1"/>
+          </a:fontRef>
+        </p:style>
+        <p:txBody>
+          <a:bodyPr rtlCol="0" anchor="ctr"/>
+          <a:lstStyle/>
+          <a:p>
+            <a:pPr algn="ctr"/>
+            <a:endParaRPr lang="en-US"/>
+          </a:p>
+        </p:txBody>
+      </p:sp>
+      <p:sp>
+        <p:nvSpPr>
+          <p:cNvPr id="7" name="Rectangle 6">
+            <a:extLst>
+              <a:ext uri="{FF2B5EF4-FFF2-40B4-BE49-F238E27FC236}">
+                <a16:creationId xmlns:a16="http://schemas.microsoft.com/office/drawing/2014/main" id="{95D19C1A-F780-49CA-B73D-0E1FD7AF5F13}"/>
+              </a:ext>
+            </a:extLst>
+          </p:cNvPr>
+          <p:cNvSpPr/>
+          <p:nvPr/>
+        </p:nvSpPr>
+        <p:spPr>
+          <a:xfrm>
+            <a:off x="1032387" y="2116392"/>
+            <a:ext cx="932688" cy="548640"/>
+          </a:xfrm>
+          <a:prstGeom prst="rect">
+            <a:avLst/>
+          </a:prstGeom>
+        </p:spPr>
+        <p:style>
+          <a:lnRef idx="0">
+            <a:schemeClr val="accent2"/>
+          </a:lnRef>
+          <a:fillRef idx="3">
+            <a:schemeClr val="accent2"/>
+          </a:fillRef>
+          <a:effectRef idx="3">
+            <a:schemeClr val="accent2"/>
+          </a:effectRef>
+          <a:fontRef idx="minor">
+            <a:schemeClr val="lt1"/>
+          </a:fontRef>
+        </p:style>
+        <p:txBody>
+          <a:bodyPr rtlCol="0" anchor="ctr"/>
+          <a:lstStyle/>
+          <a:p>
+            <a:pPr algn="ctr"/>
+            <a:endParaRPr lang="en-US"/>
+          </a:p>
+        </p:txBody>
+      </p:sp>
+      <p:sp>
+        <p:nvSpPr>
+          <p:cNvPr id="4" name="TextBox 3">
+            <a:extLst>
+              <a:ext uri="{FF2B5EF4-FFF2-40B4-BE49-F238E27FC236}">
+                <a16:creationId xmlns:a16="http://schemas.microsoft.com/office/drawing/2014/main" id="{EC541146-978F-40EE-A904-04FFE4D61567}"/>
+              </a:ext>
+            </a:extLst>
+          </p:cNvPr>
+          <p:cNvSpPr txBox="1"/>
+          <p:nvPr/>
+        </p:nvSpPr>
+        <p:spPr>
+          <a:xfrm>
+            <a:off x="4576768" y="1719103"/>
+            <a:ext cx="3805084" cy="369332"/>
+          </a:xfrm>
+          <a:prstGeom prst="rect">
+            <a:avLst/>
+          </a:prstGeom>
+          <a:noFill/>
+        </p:spPr>
+        <p:txBody>
+          <a:bodyPr wrap="square">
+            <a:spAutoFit/>
+          </a:bodyPr>
+          <a:lstStyle/>
+          <a:p>
+            <a:pPr algn="ctr"/>
+            <a:r>
+              <a:rPr lang="en-US" b="1" dirty="0"/>
+              <a:t>11289 Observations, 30 Factors</a:t>
+            </a:r>
+          </a:p>
+        </p:txBody>
+      </p:sp>
+      <p:sp>
+        <p:nvSpPr>
+          <p:cNvPr id="5" name="TextBox 4">
+            <a:extLst>
+              <a:ext uri="{FF2B5EF4-FFF2-40B4-BE49-F238E27FC236}">
+                <a16:creationId xmlns:a16="http://schemas.microsoft.com/office/drawing/2014/main" id="{E4D20E7D-0DE9-44ED-B0AB-7737D60A1F6B}"/>
+              </a:ext>
+            </a:extLst>
+          </p:cNvPr>
+          <p:cNvSpPr txBox="1"/>
+          <p:nvPr/>
+        </p:nvSpPr>
+        <p:spPr>
+          <a:xfrm>
+            <a:off x="-136047" y="1719103"/>
+            <a:ext cx="3584187" cy="369332"/>
+          </a:xfrm>
+          <a:prstGeom prst="rect">
+            <a:avLst/>
+          </a:prstGeom>
+          <a:noFill/>
+        </p:spPr>
+        <p:txBody>
+          <a:bodyPr wrap="square">
+            <a:spAutoFit/>
+          </a:bodyPr>
+          <a:lstStyle/>
+          <a:p>
+            <a:pPr algn="ctr"/>
+            <a:r>
+              <a:rPr lang="en-US" b="1" dirty="0"/>
+              <a:t>1021 Observations, 6 Factors</a:t>
+            </a:r>
+          </a:p>
+        </p:txBody>
+      </p:sp>
+      <p:sp>
+        <p:nvSpPr>
+          <p:cNvPr id="8" name="TextBox 7">
+            <a:extLst>
+              <a:ext uri="{FF2B5EF4-FFF2-40B4-BE49-F238E27FC236}">
+                <a16:creationId xmlns:a16="http://schemas.microsoft.com/office/drawing/2014/main" id="{BA6AE7F1-7130-45B5-90B6-4798CD12072C}"/>
+              </a:ext>
+            </a:extLst>
+          </p:cNvPr>
+          <p:cNvSpPr txBox="1"/>
+          <p:nvPr/>
+        </p:nvSpPr>
+        <p:spPr>
+          <a:xfrm>
+            <a:off x="835859" y="972532"/>
+            <a:ext cx="393056" cy="584775"/>
+          </a:xfrm>
+          <a:prstGeom prst="rect">
+            <a:avLst/>
+          </a:prstGeom>
+          <a:noFill/>
+        </p:spPr>
+        <p:txBody>
+          <a:bodyPr wrap="none" rtlCol="0">
+            <a:spAutoFit/>
+          </a:bodyPr>
+          <a:lstStyle/>
+          <a:p>
+            <a:r>
+              <a:rPr lang="en-US" sz="3200" b="1" dirty="0"/>
+              <a:t>3</a:t>
+            </a:r>
+          </a:p>
+        </p:txBody>
+      </p:sp>
+    </p:spTree>
+    <p:extLst>
+      <p:ext uri="{BB962C8B-B14F-4D97-AF65-F5344CB8AC3E}">
+        <p14:creationId xmlns:p14="http://schemas.microsoft.com/office/powerpoint/2010/main" val="1668304365"/>
+      </p:ext>
+    </p:extLst>
+  </p:cSld>
+  <p:clrMapOvr>
+    <a:masterClrMapping/>
+  </p:clrMapOvr>
+</p:sld>
+</file>
+
+<file path=ppt/slides/slide6.xml><?xml version="1.0" encoding="utf-8"?>
+<p:sld xmlns:a="http://schemas.openxmlformats.org/drawingml/2006/main" xmlns:r="http://schemas.openxmlformats.org/officeDocument/2006/relationships" xmlns:p="http://schemas.openxmlformats.org/presentationml/2006/main">
+  <p:cSld>
+    <p:spTree>
+      <p:nvGrpSpPr>
+        <p:cNvPr id="1" name=""/>
+        <p:cNvGrpSpPr/>
+        <p:nvPr/>
+      </p:nvGrpSpPr>
+      <p:grpSpPr>
+        <a:xfrm>
+          <a:off x="0" y="0"/>
+          <a:ext cx="0" cy="0"/>
+          <a:chOff x="0" y="0"/>
+          <a:chExt cx="0" cy="0"/>
+        </a:xfrm>
+      </p:grpSpPr>
+      <p:pic>
+        <p:nvPicPr>
+          <p:cNvPr id="12" name="Picture 11">
+            <a:extLst>
+              <a:ext uri="{FF2B5EF4-FFF2-40B4-BE49-F238E27FC236}">
+                <a16:creationId xmlns:a16="http://schemas.microsoft.com/office/drawing/2014/main" id="{06CBEF8A-B74F-4452-BFB0-B7AE38C02716}"/>
+              </a:ext>
+            </a:extLst>
+          </p:cNvPr>
+          <p:cNvPicPr>
+            <a:picLocks noChangeAspect="1"/>
+          </p:cNvPicPr>
+          <p:nvPr/>
+        </p:nvPicPr>
+        <p:blipFill>
+          <a:blip r:embed="rId2"/>
+          <a:stretch>
+            <a:fillRect/>
+          </a:stretch>
+        </p:blipFill>
+        <p:spPr>
+          <a:xfrm>
+            <a:off x="319539" y="1408001"/>
+            <a:ext cx="11552921" cy="4041998"/>
+          </a:xfrm>
+          <a:prstGeom prst="rect">
+            <a:avLst/>
+          </a:prstGeom>
+        </p:spPr>
+      </p:pic>
+    </p:spTree>
+    <p:extLst>
+      <p:ext uri="{BB962C8B-B14F-4D97-AF65-F5344CB8AC3E}">
+        <p14:creationId xmlns:p14="http://schemas.microsoft.com/office/powerpoint/2010/main" val="2243515667"/>
+      </p:ext>
+    </p:extLst>
+  </p:cSld>
+  <p:clrMapOvr>
+    <a:masterClrMapping/>
+  </p:clrMapOvr>
+</p:sld>
+</file>
+
+<file path=ppt/slides/slide7.xml><?xml version="1.0" encoding="utf-8"?>
+<p:sld xmlns:a="http://schemas.openxmlformats.org/drawingml/2006/main" xmlns:r="http://schemas.openxmlformats.org/officeDocument/2006/relationships" xmlns:p="http://schemas.openxmlformats.org/presentationml/2006/main">
+  <p:cSld>
+    <p:spTree>
+      <p:nvGrpSpPr>
+        <p:cNvPr id="1" name=""/>
+        <p:cNvGrpSpPr/>
+        <p:nvPr/>
+      </p:nvGrpSpPr>
+      <p:grpSpPr>
+        <a:xfrm>
+          <a:off x="0" y="0"/>
+          <a:ext cx="0" cy="0"/>
+          <a:chOff x="0" y="0"/>
+          <a:chExt cx="0" cy="0"/>
+        </a:xfrm>
+      </p:grpSpPr>
+      <p:sp>
+        <p:nvSpPr>
+          <p:cNvPr id="11" name="Oval 10">
+            <a:extLst>
+              <a:ext uri="{FF2B5EF4-FFF2-40B4-BE49-F238E27FC236}">
+                <a16:creationId xmlns:a16="http://schemas.microsoft.com/office/drawing/2014/main" id="{77E6F714-4093-4EEA-961A-596B9FA5DD58}"/>
+              </a:ext>
+            </a:extLst>
+          </p:cNvPr>
+          <p:cNvSpPr/>
+          <p:nvPr/>
+        </p:nvSpPr>
+        <p:spPr>
+          <a:xfrm>
+            <a:off x="4267200" y="1600200"/>
+            <a:ext cx="3657600" cy="3657600"/>
+          </a:xfrm>
+          <a:prstGeom prst="ellipse">
+            <a:avLst/>
+          </a:prstGeom>
+        </p:spPr>
+        <p:style>
+          <a:lnRef idx="0">
+            <a:schemeClr val="accent2"/>
+          </a:lnRef>
+          <a:fillRef idx="3">
+            <a:schemeClr val="accent2"/>
+          </a:fillRef>
+          <a:effectRef idx="3">
+            <a:schemeClr val="accent2"/>
+          </a:effectRef>
+          <a:fontRef idx="minor">
+            <a:schemeClr val="lt1"/>
+          </a:fontRef>
+        </p:style>
+        <p:txBody>
+          <a:bodyPr rtlCol="0" anchor="ctr"/>
+          <a:lstStyle/>
+          <a:p>
+            <a:pPr algn="ctr"/>
+            <a:endParaRPr lang="en-US"/>
+          </a:p>
+        </p:txBody>
+      </p:sp>
+      <p:sp>
+        <p:nvSpPr>
+          <p:cNvPr id="12" name="Oval 11">
+            <a:extLst>
+              <a:ext uri="{FF2B5EF4-FFF2-40B4-BE49-F238E27FC236}">
+                <a16:creationId xmlns:a16="http://schemas.microsoft.com/office/drawing/2014/main" id="{54E28BD5-BCB3-4D32-BE07-6CAD1B7120AC}"/>
+              </a:ext>
+            </a:extLst>
+          </p:cNvPr>
+          <p:cNvSpPr/>
+          <p:nvPr/>
+        </p:nvSpPr>
+        <p:spPr>
+          <a:xfrm>
+            <a:off x="5972556" y="3305556"/>
+            <a:ext cx="246888" cy="246888"/>
+          </a:xfrm>
+          <a:prstGeom prst="ellipse">
+            <a:avLst/>
+          </a:prstGeom>
+        </p:spPr>
+        <p:style>
+          <a:lnRef idx="0">
+            <a:schemeClr val="accent6"/>
+          </a:lnRef>
+          <a:fillRef idx="3">
+            <a:schemeClr val="accent6"/>
+          </a:fillRef>
+          <a:effectRef idx="3">
+            <a:schemeClr val="accent6"/>
+          </a:effectRef>
+          <a:fontRef idx="minor">
+            <a:schemeClr val="lt1"/>
+          </a:fontRef>
+        </p:style>
+        <p:txBody>
+          <a:bodyPr rtlCol="0" anchor="ctr"/>
+          <a:lstStyle/>
+          <a:p>
+            <a:pPr algn="ctr"/>
+            <a:endParaRPr lang="en-US"/>
+          </a:p>
+        </p:txBody>
+      </p:sp>
+      <p:sp>
+        <p:nvSpPr>
+          <p:cNvPr id="13" name="TextBox 12">
+            <a:extLst>
+              <a:ext uri="{FF2B5EF4-FFF2-40B4-BE49-F238E27FC236}">
+                <a16:creationId xmlns:a16="http://schemas.microsoft.com/office/drawing/2014/main" id="{C5E9946A-0B61-411B-B566-2D1E3FB9526E}"/>
+              </a:ext>
+            </a:extLst>
+          </p:cNvPr>
+          <p:cNvSpPr txBox="1"/>
+          <p:nvPr/>
+        </p:nvSpPr>
+        <p:spPr>
+          <a:xfrm>
+            <a:off x="4193457" y="2237601"/>
+            <a:ext cx="3805084" cy="646331"/>
+          </a:xfrm>
+          <a:prstGeom prst="rect">
+            <a:avLst/>
+          </a:prstGeom>
+          <a:noFill/>
+        </p:spPr>
+        <p:txBody>
+          <a:bodyPr wrap="square">
+            <a:spAutoFit/>
+          </a:bodyPr>
+          <a:lstStyle/>
+          <a:p>
+            <a:pPr algn="ctr"/>
+            <a:r>
+              <a:rPr lang="en-US" b="1" dirty="0"/>
+              <a:t>Initial Composite Data</a:t>
+            </a:r>
+          </a:p>
+          <a:p>
+            <a:pPr algn="ctr"/>
+            <a:r>
+              <a:rPr lang="en-US" b="1" dirty="0"/>
+              <a:t>11289 Observations, 30 Factors</a:t>
+            </a:r>
+          </a:p>
+        </p:txBody>
+      </p:sp>
+      <p:sp>
+        <p:nvSpPr>
+          <p:cNvPr id="14" name="TextBox 13">
+            <a:extLst>
+              <a:ext uri="{FF2B5EF4-FFF2-40B4-BE49-F238E27FC236}">
+                <a16:creationId xmlns:a16="http://schemas.microsoft.com/office/drawing/2014/main" id="{9C3116F0-6594-4615-99D7-0967BCDEC5E7}"/>
+              </a:ext>
+            </a:extLst>
+          </p:cNvPr>
+          <p:cNvSpPr txBox="1"/>
+          <p:nvPr/>
+        </p:nvSpPr>
+        <p:spPr>
+          <a:xfrm>
+            <a:off x="4399986" y="3518875"/>
+            <a:ext cx="3392026" cy="646331"/>
+          </a:xfrm>
+          <a:prstGeom prst="rect">
+            <a:avLst/>
+          </a:prstGeom>
+          <a:noFill/>
+        </p:spPr>
+        <p:txBody>
+          <a:bodyPr wrap="square">
+            <a:spAutoFit/>
+          </a:bodyPr>
+          <a:lstStyle/>
+          <a:p>
+            <a:pPr algn="ctr"/>
+            <a:r>
+              <a:rPr lang="en-US" b="1" dirty="0"/>
+              <a:t>Data Without Missing Values</a:t>
+            </a:r>
+          </a:p>
+          <a:p>
+            <a:pPr algn="ctr"/>
+            <a:r>
+              <a:rPr lang="en-US" b="1" dirty="0"/>
+              <a:t>1021 Observations, 6 Factors</a:t>
+            </a:r>
+          </a:p>
+        </p:txBody>
+      </p:sp>
+      <p:sp>
+        <p:nvSpPr>
+          <p:cNvPr id="15" name="Oval 14">
+            <a:extLst>
+              <a:ext uri="{FF2B5EF4-FFF2-40B4-BE49-F238E27FC236}">
+                <a16:creationId xmlns:a16="http://schemas.microsoft.com/office/drawing/2014/main" id="{ECF32A8D-D233-413D-946D-26AE7B8E8CC8}"/>
+              </a:ext>
+            </a:extLst>
+          </p:cNvPr>
+          <p:cNvSpPr/>
+          <p:nvPr/>
+        </p:nvSpPr>
+        <p:spPr>
+          <a:xfrm>
+            <a:off x="329328" y="1600200"/>
+            <a:ext cx="3657600" cy="3657600"/>
+          </a:xfrm>
+          <a:prstGeom prst="ellipse">
+            <a:avLst/>
+          </a:prstGeom>
+        </p:spPr>
+        <p:style>
+          <a:lnRef idx="0">
+            <a:schemeClr val="accent1"/>
+          </a:lnRef>
+          <a:fillRef idx="3">
+            <a:schemeClr val="accent1"/>
+          </a:fillRef>
+          <a:effectRef idx="3">
+            <a:schemeClr val="accent1"/>
+          </a:effectRef>
+          <a:fontRef idx="minor">
+            <a:schemeClr val="lt1"/>
+          </a:fontRef>
+        </p:style>
+        <p:txBody>
+          <a:bodyPr rtlCol="0" anchor="ctr"/>
+          <a:lstStyle/>
+          <a:p>
+            <a:pPr algn="ctr"/>
+            <a:endParaRPr lang="en-US"/>
+          </a:p>
+        </p:txBody>
+      </p:sp>
+      <p:sp>
+        <p:nvSpPr>
+          <p:cNvPr id="16" name="Oval 15">
+            <a:extLst>
+              <a:ext uri="{FF2B5EF4-FFF2-40B4-BE49-F238E27FC236}">
+                <a16:creationId xmlns:a16="http://schemas.microsoft.com/office/drawing/2014/main" id="{0D4705DC-EF54-453C-B4C8-05FE96DA99C1}"/>
+              </a:ext>
+            </a:extLst>
+          </p:cNvPr>
+          <p:cNvSpPr/>
+          <p:nvPr/>
+        </p:nvSpPr>
+        <p:spPr>
+          <a:xfrm>
+            <a:off x="2034684" y="3305556"/>
+            <a:ext cx="246888" cy="246888"/>
+          </a:xfrm>
+          <a:prstGeom prst="ellipse">
+            <a:avLst/>
+          </a:prstGeom>
+        </p:spPr>
+        <p:style>
+          <a:lnRef idx="0">
+            <a:schemeClr val="accent2"/>
+          </a:lnRef>
+          <a:fillRef idx="3">
+            <a:schemeClr val="accent2"/>
+          </a:fillRef>
+          <a:effectRef idx="3">
+            <a:schemeClr val="accent2"/>
+          </a:effectRef>
+          <a:fontRef idx="minor">
+            <a:schemeClr val="lt1"/>
+          </a:fontRef>
+        </p:style>
+        <p:txBody>
+          <a:bodyPr rtlCol="0" anchor="ctr"/>
+          <a:lstStyle/>
+          <a:p>
+            <a:pPr algn="ctr"/>
+            <a:endParaRPr lang="en-US"/>
+          </a:p>
+        </p:txBody>
+      </p:sp>
+      <p:sp>
+        <p:nvSpPr>
+          <p:cNvPr id="17" name="TextBox 16">
+            <a:extLst>
+              <a:ext uri="{FF2B5EF4-FFF2-40B4-BE49-F238E27FC236}">
+                <a16:creationId xmlns:a16="http://schemas.microsoft.com/office/drawing/2014/main" id="{BA79DACF-9CA0-4EBB-BB79-695F294AA150}"/>
+              </a:ext>
+            </a:extLst>
+          </p:cNvPr>
+          <p:cNvSpPr txBox="1"/>
+          <p:nvPr/>
+        </p:nvSpPr>
+        <p:spPr>
+          <a:xfrm>
+            <a:off x="255585" y="2237601"/>
+            <a:ext cx="3805084" cy="646331"/>
+          </a:xfrm>
+          <a:prstGeom prst="rect">
+            <a:avLst/>
+          </a:prstGeom>
+          <a:noFill/>
+        </p:spPr>
+        <p:txBody>
+          <a:bodyPr wrap="square">
+            <a:spAutoFit/>
+          </a:bodyPr>
+          <a:lstStyle/>
+          <a:p>
+            <a:pPr algn="ctr"/>
+            <a:r>
+              <a:rPr lang="en-US" b="1" dirty="0"/>
+              <a:t>Initial Composite Data</a:t>
+            </a:r>
+          </a:p>
+          <a:p>
+            <a:pPr algn="ctr"/>
+            <a:r>
+              <a:rPr lang="en-US" b="1" dirty="0"/>
+              <a:t>11289 Observations, 30 Factors</a:t>
+            </a:r>
+          </a:p>
+        </p:txBody>
+      </p:sp>
+      <p:sp>
+        <p:nvSpPr>
+          <p:cNvPr id="18" name="TextBox 17">
+            <a:extLst>
+              <a:ext uri="{FF2B5EF4-FFF2-40B4-BE49-F238E27FC236}">
+                <a16:creationId xmlns:a16="http://schemas.microsoft.com/office/drawing/2014/main" id="{806604B4-D78B-43ED-BFF6-B2506F70DEBF}"/>
+              </a:ext>
+            </a:extLst>
+          </p:cNvPr>
+          <p:cNvSpPr txBox="1"/>
+          <p:nvPr/>
+        </p:nvSpPr>
+        <p:spPr>
+          <a:xfrm>
+            <a:off x="462114" y="3518874"/>
+            <a:ext cx="3392026" cy="646331"/>
+          </a:xfrm>
+          <a:prstGeom prst="rect">
+            <a:avLst/>
+          </a:prstGeom>
+          <a:noFill/>
+        </p:spPr>
+        <p:txBody>
+          <a:bodyPr wrap="square">
+            <a:spAutoFit/>
+          </a:bodyPr>
+          <a:lstStyle/>
+          <a:p>
+            <a:pPr algn="ctr"/>
+            <a:r>
+              <a:rPr lang="en-US" b="1" dirty="0"/>
+              <a:t>Data Without Missing Values</a:t>
+            </a:r>
+          </a:p>
+          <a:p>
+            <a:pPr algn="ctr"/>
+            <a:r>
+              <a:rPr lang="en-US" b="1" dirty="0"/>
+              <a:t>1021 Observations, 6 Factors</a:t>
+            </a:r>
+          </a:p>
+        </p:txBody>
+      </p:sp>
+      <p:sp>
+        <p:nvSpPr>
+          <p:cNvPr id="19" name="Oval 18">
+            <a:extLst>
+              <a:ext uri="{FF2B5EF4-FFF2-40B4-BE49-F238E27FC236}">
+                <a16:creationId xmlns:a16="http://schemas.microsoft.com/office/drawing/2014/main" id="{D01C13EC-29F3-417F-8256-1D0984AADC88}"/>
+              </a:ext>
+            </a:extLst>
+          </p:cNvPr>
+          <p:cNvSpPr/>
+          <p:nvPr/>
+        </p:nvSpPr>
+        <p:spPr>
+          <a:xfrm>
+            <a:off x="8278815" y="1600200"/>
+            <a:ext cx="3657600" cy="3657600"/>
+          </a:xfrm>
+          <a:prstGeom prst="ellipse">
+            <a:avLst/>
+          </a:prstGeom>
+        </p:spPr>
+        <p:style>
+          <a:lnRef idx="0">
+            <a:schemeClr val="accent6"/>
+          </a:lnRef>
+          <a:fillRef idx="3">
+            <a:schemeClr val="accent6"/>
+          </a:fillRef>
+          <a:effectRef idx="3">
+            <a:schemeClr val="accent6"/>
+          </a:effectRef>
+          <a:fontRef idx="minor">
+            <a:schemeClr val="lt1"/>
+          </a:fontRef>
+        </p:style>
+        <p:txBody>
+          <a:bodyPr rtlCol="0" anchor="ctr"/>
+          <a:lstStyle/>
+          <a:p>
+            <a:pPr algn="ctr"/>
+            <a:endParaRPr lang="en-US" dirty="0"/>
+          </a:p>
+        </p:txBody>
+      </p:sp>
+      <p:sp>
+        <p:nvSpPr>
+          <p:cNvPr id="20" name="Oval 19">
+            <a:extLst>
+              <a:ext uri="{FF2B5EF4-FFF2-40B4-BE49-F238E27FC236}">
+                <a16:creationId xmlns:a16="http://schemas.microsoft.com/office/drawing/2014/main" id="{F2EE6CE5-91AA-44FB-8A6C-31F4EBA2FDB6}"/>
+              </a:ext>
+            </a:extLst>
+          </p:cNvPr>
+          <p:cNvSpPr/>
+          <p:nvPr/>
+        </p:nvSpPr>
+        <p:spPr>
+          <a:xfrm>
+            <a:off x="9984171" y="3305556"/>
+            <a:ext cx="246888" cy="246888"/>
+          </a:xfrm>
+          <a:prstGeom prst="ellipse">
+            <a:avLst/>
+          </a:prstGeom>
+        </p:spPr>
+        <p:style>
+          <a:lnRef idx="0">
+            <a:schemeClr val="accent2"/>
+          </a:lnRef>
+          <a:fillRef idx="3">
+            <a:schemeClr val="accent2"/>
+          </a:fillRef>
+          <a:effectRef idx="3">
+            <a:schemeClr val="accent2"/>
+          </a:effectRef>
+          <a:fontRef idx="minor">
+            <a:schemeClr val="lt1"/>
+          </a:fontRef>
+        </p:style>
+        <p:txBody>
+          <a:bodyPr rtlCol="0" anchor="ctr"/>
+          <a:lstStyle/>
+          <a:p>
+            <a:pPr algn="ctr"/>
+            <a:endParaRPr lang="en-US"/>
+          </a:p>
+        </p:txBody>
+      </p:sp>
+      <p:sp>
+        <p:nvSpPr>
+          <p:cNvPr id="21" name="TextBox 20">
+            <a:extLst>
+              <a:ext uri="{FF2B5EF4-FFF2-40B4-BE49-F238E27FC236}">
+                <a16:creationId xmlns:a16="http://schemas.microsoft.com/office/drawing/2014/main" id="{CC29B1E5-BFAD-46CC-84BF-CF74B7092985}"/>
+              </a:ext>
+            </a:extLst>
+          </p:cNvPr>
+          <p:cNvSpPr txBox="1"/>
+          <p:nvPr/>
+        </p:nvSpPr>
+        <p:spPr>
+          <a:xfrm>
+            <a:off x="8205072" y="2237601"/>
+            <a:ext cx="3805084" cy="646331"/>
+          </a:xfrm>
+          <a:prstGeom prst="rect">
+            <a:avLst/>
+          </a:prstGeom>
+          <a:noFill/>
+        </p:spPr>
+        <p:txBody>
+          <a:bodyPr wrap="square">
+            <a:spAutoFit/>
+          </a:bodyPr>
+          <a:lstStyle/>
+          <a:p>
+            <a:pPr algn="ctr"/>
+            <a:r>
+              <a:rPr lang="en-US" b="1" dirty="0"/>
+              <a:t>Initial Composite Data</a:t>
+            </a:r>
+          </a:p>
+          <a:p>
+            <a:pPr algn="ctr"/>
+            <a:r>
+              <a:rPr lang="en-US" b="1" dirty="0"/>
+              <a:t>11289 Observations, 30 Factors</a:t>
+            </a:r>
+          </a:p>
+        </p:txBody>
+      </p:sp>
+      <p:sp>
+        <p:nvSpPr>
+          <p:cNvPr id="22" name="TextBox 21">
+            <a:extLst>
+              <a:ext uri="{FF2B5EF4-FFF2-40B4-BE49-F238E27FC236}">
+                <a16:creationId xmlns:a16="http://schemas.microsoft.com/office/drawing/2014/main" id="{2CA21624-508E-4271-9A2F-69C0043A8D0D}"/>
+              </a:ext>
+            </a:extLst>
+          </p:cNvPr>
+          <p:cNvSpPr txBox="1"/>
+          <p:nvPr/>
+        </p:nvSpPr>
+        <p:spPr>
+          <a:xfrm>
+            <a:off x="8411601" y="3518874"/>
+            <a:ext cx="3392026" cy="646331"/>
+          </a:xfrm>
+          <a:prstGeom prst="rect">
+            <a:avLst/>
+          </a:prstGeom>
+          <a:noFill/>
+        </p:spPr>
+        <p:txBody>
+          <a:bodyPr wrap="square">
+            <a:spAutoFit/>
+          </a:bodyPr>
+          <a:lstStyle/>
+          <a:p>
+            <a:pPr algn="ctr"/>
+            <a:r>
+              <a:rPr lang="en-US" b="1" dirty="0"/>
+              <a:t>Data Without Missing Values</a:t>
+            </a:r>
+          </a:p>
+          <a:p>
+            <a:pPr algn="ctr"/>
+            <a:r>
+              <a:rPr lang="en-US" b="1" dirty="0"/>
+              <a:t>1021 Observations, 6 Factors</a:t>
+            </a:r>
+          </a:p>
+        </p:txBody>
+      </p:sp>
+      <p:sp>
+        <p:nvSpPr>
+          <p:cNvPr id="23" name="TextBox 22">
+            <a:extLst>
+              <a:ext uri="{FF2B5EF4-FFF2-40B4-BE49-F238E27FC236}">
+                <a16:creationId xmlns:a16="http://schemas.microsoft.com/office/drawing/2014/main" id="{5BA597BC-E205-46CE-B9CF-C29D5263D51F}"/>
+              </a:ext>
+            </a:extLst>
+          </p:cNvPr>
+          <p:cNvSpPr txBox="1"/>
+          <p:nvPr/>
+        </p:nvSpPr>
+        <p:spPr>
+          <a:xfrm>
+            <a:off x="462114" y="1145006"/>
+            <a:ext cx="343268" cy="584775"/>
+          </a:xfrm>
+          <a:prstGeom prst="rect">
+            <a:avLst/>
+          </a:prstGeom>
+          <a:noFill/>
+        </p:spPr>
+        <p:txBody>
+          <a:bodyPr wrap="square" rtlCol="0">
+            <a:spAutoFit/>
+          </a:bodyPr>
+          <a:lstStyle/>
+          <a:p>
+            <a:r>
+              <a:rPr lang="en-US" sz="3200" b="1" dirty="0"/>
+              <a:t>A</a:t>
+            </a:r>
+          </a:p>
+        </p:txBody>
+      </p:sp>
+      <p:sp>
+        <p:nvSpPr>
+          <p:cNvPr id="24" name="TextBox 23">
+            <a:extLst>
+              <a:ext uri="{FF2B5EF4-FFF2-40B4-BE49-F238E27FC236}">
+                <a16:creationId xmlns:a16="http://schemas.microsoft.com/office/drawing/2014/main" id="{EAFD3E83-8EE4-4252-B6DF-C9FC4864CE26}"/>
+              </a:ext>
+            </a:extLst>
+          </p:cNvPr>
+          <p:cNvSpPr txBox="1"/>
+          <p:nvPr/>
+        </p:nvSpPr>
+        <p:spPr>
+          <a:xfrm>
+            <a:off x="4340133" y="1145005"/>
+            <a:ext cx="343268" cy="584775"/>
+          </a:xfrm>
+          <a:prstGeom prst="rect">
+            <a:avLst/>
+          </a:prstGeom>
+          <a:noFill/>
+        </p:spPr>
+        <p:txBody>
+          <a:bodyPr wrap="square" rtlCol="0">
+            <a:spAutoFit/>
+          </a:bodyPr>
+          <a:lstStyle/>
+          <a:p>
+            <a:r>
+              <a:rPr lang="en-US" sz="3200" b="1" dirty="0"/>
+              <a:t>B</a:t>
+            </a:r>
+          </a:p>
+        </p:txBody>
+      </p:sp>
+      <p:sp>
+        <p:nvSpPr>
+          <p:cNvPr id="25" name="TextBox 24">
+            <a:extLst>
+              <a:ext uri="{FF2B5EF4-FFF2-40B4-BE49-F238E27FC236}">
+                <a16:creationId xmlns:a16="http://schemas.microsoft.com/office/drawing/2014/main" id="{347356AB-852D-46F7-B475-EFF68221B286}"/>
+              </a:ext>
+            </a:extLst>
+          </p:cNvPr>
+          <p:cNvSpPr txBox="1"/>
+          <p:nvPr/>
+        </p:nvSpPr>
+        <p:spPr>
+          <a:xfrm>
+            <a:off x="8278005" y="1145004"/>
+            <a:ext cx="343268" cy="584775"/>
+          </a:xfrm>
+          <a:prstGeom prst="rect">
+            <a:avLst/>
+          </a:prstGeom>
+          <a:noFill/>
+        </p:spPr>
+        <p:txBody>
+          <a:bodyPr wrap="square" rtlCol="0">
+            <a:spAutoFit/>
+          </a:bodyPr>
+          <a:lstStyle/>
+          <a:p>
+            <a:r>
+              <a:rPr lang="en-US" sz="3200" b="1" dirty="0"/>
+              <a:t>C</a:t>
+            </a:r>
+          </a:p>
+        </p:txBody>
+      </p:sp>
+    </p:spTree>
+    <p:extLst>
+      <p:ext uri="{BB962C8B-B14F-4D97-AF65-F5344CB8AC3E}">
+        <p14:creationId xmlns:p14="http://schemas.microsoft.com/office/powerpoint/2010/main" val="2915039200"/>
+      </p:ext>
+    </p:extLst>
+  </p:cSld>
+  <p:clrMapOvr>
+    <a:masterClrMapping/>
+  </p:clrMapOvr>
+</p:sld>
+</file>
+
+<file path=ppt/slides/slide8.xml><?xml version="1.0" encoding="utf-8"?>
+<p:sld xmlns:a="http://schemas.openxmlformats.org/drawingml/2006/main" xmlns:r="http://schemas.openxmlformats.org/officeDocument/2006/relationships" xmlns:p="http://schemas.openxmlformats.org/presentationml/2006/main">
+  <p:cSld>
+    <p:spTree>
+      <p:nvGrpSpPr>
+        <p:cNvPr id="1" name=""/>
+        <p:cNvGrpSpPr/>
+        <p:nvPr/>
+      </p:nvGrpSpPr>
+      <p:grpSpPr>
+        <a:xfrm>
+          <a:off x="0" y="0"/>
+          <a:ext cx="0" cy="0"/>
+          <a:chOff x="0" y="0"/>
+          <a:chExt cx="0" cy="0"/>
+        </a:xfrm>
+      </p:grpSpPr>
+      <p:pic>
+        <p:nvPicPr>
+          <p:cNvPr id="49" name="Picture 48">
+            <a:extLst>
+              <a:ext uri="{FF2B5EF4-FFF2-40B4-BE49-F238E27FC236}">
+                <a16:creationId xmlns:a16="http://schemas.microsoft.com/office/drawing/2014/main" id="{31679D75-3263-49F2-89FE-F0E8BCBEBC3C}"/>
+              </a:ext>
+            </a:extLst>
+          </p:cNvPr>
+          <p:cNvPicPr>
+            <a:picLocks noChangeAspect="1"/>
+          </p:cNvPicPr>
+          <p:nvPr/>
+        </p:nvPicPr>
+        <p:blipFill>
+          <a:blip r:embed="rId2"/>
+          <a:stretch>
+            <a:fillRect/>
+          </a:stretch>
+        </p:blipFill>
+        <p:spPr>
+          <a:xfrm>
+            <a:off x="218946" y="1292167"/>
+            <a:ext cx="11754107" cy="4273666"/>
+          </a:xfrm>
+          <a:prstGeom prst="rect">
+            <a:avLst/>
+          </a:prstGeom>
+        </p:spPr>
+      </p:pic>
+    </p:spTree>
+    <p:extLst>
+      <p:ext uri="{BB962C8B-B14F-4D97-AF65-F5344CB8AC3E}">
+        <p14:creationId xmlns:p14="http://schemas.microsoft.com/office/powerpoint/2010/main" val="1842327230"/>
+      </p:ext>
+    </p:extLst>
+  </p:cSld>
+  <p:clrMapOvr>
+    <a:masterClrMapping/>
+  </p:clrMapOvr>
+</p:sld>
+</file>
+
 <file path=ppt/theme/theme1.xml><?xml version="1.0" encoding="utf-8"?>
 <a:theme xmlns:a="http://schemas.openxmlformats.org/drawingml/2006/main" name="Office Theme">
   <a:themeElements>
-    <a:clrScheme name="Office">
+    <a:clrScheme name="Paper">
       <a:dk1>
         <a:sysClr val="windowText" lastClr="000000"/>
       </a:dk1>
@@ -3714,34 +5286,34 @@
         <a:sysClr val="window" lastClr="FFFFFF"/>
       </a:lt1>
       <a:dk2>
-        <a:srgbClr val="44546A"/>
+        <a:srgbClr val="444D26"/>
       </a:dk2>
       <a:lt2>
-        <a:srgbClr val="E7E6E6"/>
+        <a:srgbClr val="FEFAC9"/>
       </a:lt2>
       <a:accent1>
-        <a:srgbClr val="4472C4"/>
+        <a:srgbClr val="A5B592"/>
       </a:accent1>
       <a:accent2>
-        <a:srgbClr val="ED7D31"/>
+        <a:srgbClr val="F3A447"/>
       </a:accent2>
       <a:accent3>
-        <a:srgbClr val="A5A5A5"/>
+        <a:srgbClr val="E7BC29"/>
       </a:accent3>
       <a:accent4>
-        <a:srgbClr val="FFC000"/>
+        <a:srgbClr val="D092A7"/>
       </a:accent4>
       <a:accent5>
-        <a:srgbClr val="5B9BD5"/>
+        <a:srgbClr val="9C85C0"/>
       </a:accent5>
       <a:accent6>
-        <a:srgbClr val="70AD47"/>
+        <a:srgbClr val="809EC2"/>
       </a:accent6>
       <a:hlink>
-        <a:srgbClr val="0563C1"/>
+        <a:srgbClr val="8E58B6"/>
       </a:hlink>
       <a:folHlink>
-        <a:srgbClr val="954F72"/>
+        <a:srgbClr val="7F6F6F"/>
       </a:folHlink>
     </a:clrScheme>
     <a:fontScheme name="Office">

--- a/figures/Example Suplemental Diagram of Data Loss.pptx
+++ b/figures/Example Suplemental Diagram of Data Loss.pptx
@@ -13,6 +13,8 @@
     <p:sldId id="261" r:id="rId7"/>
     <p:sldId id="262" r:id="rId8"/>
     <p:sldId id="263" r:id="rId9"/>
+    <p:sldId id="264" r:id="rId10"/>
+    <p:sldId id="265" r:id="rId11"/>
   </p:sldIdLst>
   <p:sldSz cx="12192000" cy="6858000"/>
   <p:notesSz cx="6858000" cy="9144000"/>
@@ -266,7 +268,7 @@
           <a:p>
             <a:fld id="{7CE6D4B3-3277-43F5-9721-7AA08BF389B4}" type="datetimeFigureOut">
               <a:rPr lang="en-US" smtClean="0"/>
-              <a:t>4/12/2021</a:t>
+              <a:t>4/13/2021</a:t>
             </a:fld>
             <a:endParaRPr lang="en-US"/>
           </a:p>
@@ -464,7 +466,7 @@
           <a:p>
             <a:fld id="{7CE6D4B3-3277-43F5-9721-7AA08BF389B4}" type="datetimeFigureOut">
               <a:rPr lang="en-US" smtClean="0"/>
-              <a:t>4/12/2021</a:t>
+              <a:t>4/13/2021</a:t>
             </a:fld>
             <a:endParaRPr lang="en-US"/>
           </a:p>
@@ -672,7 +674,7 @@
           <a:p>
             <a:fld id="{7CE6D4B3-3277-43F5-9721-7AA08BF389B4}" type="datetimeFigureOut">
               <a:rPr lang="en-US" smtClean="0"/>
-              <a:t>4/12/2021</a:t>
+              <a:t>4/13/2021</a:t>
             </a:fld>
             <a:endParaRPr lang="en-US"/>
           </a:p>
@@ -870,7 +872,7 @@
           <a:p>
             <a:fld id="{7CE6D4B3-3277-43F5-9721-7AA08BF389B4}" type="datetimeFigureOut">
               <a:rPr lang="en-US" smtClean="0"/>
-              <a:t>4/12/2021</a:t>
+              <a:t>4/13/2021</a:t>
             </a:fld>
             <a:endParaRPr lang="en-US"/>
           </a:p>
@@ -1145,7 +1147,7 @@
           <a:p>
             <a:fld id="{7CE6D4B3-3277-43F5-9721-7AA08BF389B4}" type="datetimeFigureOut">
               <a:rPr lang="en-US" smtClean="0"/>
-              <a:t>4/12/2021</a:t>
+              <a:t>4/13/2021</a:t>
             </a:fld>
             <a:endParaRPr lang="en-US"/>
           </a:p>
@@ -1410,7 +1412,7 @@
           <a:p>
             <a:fld id="{7CE6D4B3-3277-43F5-9721-7AA08BF389B4}" type="datetimeFigureOut">
               <a:rPr lang="en-US" smtClean="0"/>
-              <a:t>4/12/2021</a:t>
+              <a:t>4/13/2021</a:t>
             </a:fld>
             <a:endParaRPr lang="en-US"/>
           </a:p>
@@ -1822,7 +1824,7 @@
           <a:p>
             <a:fld id="{7CE6D4B3-3277-43F5-9721-7AA08BF389B4}" type="datetimeFigureOut">
               <a:rPr lang="en-US" smtClean="0"/>
-              <a:t>4/12/2021</a:t>
+              <a:t>4/13/2021</a:t>
             </a:fld>
             <a:endParaRPr lang="en-US"/>
           </a:p>
@@ -1963,7 +1965,7 @@
           <a:p>
             <a:fld id="{7CE6D4B3-3277-43F5-9721-7AA08BF389B4}" type="datetimeFigureOut">
               <a:rPr lang="en-US" smtClean="0"/>
-              <a:t>4/12/2021</a:t>
+              <a:t>4/13/2021</a:t>
             </a:fld>
             <a:endParaRPr lang="en-US"/>
           </a:p>
@@ -2076,7 +2078,7 @@
           <a:p>
             <a:fld id="{7CE6D4B3-3277-43F5-9721-7AA08BF389B4}" type="datetimeFigureOut">
               <a:rPr lang="en-US" smtClean="0"/>
-              <a:t>4/12/2021</a:t>
+              <a:t>4/13/2021</a:t>
             </a:fld>
             <a:endParaRPr lang="en-US"/>
           </a:p>
@@ -2387,7 +2389,7 @@
           <a:p>
             <a:fld id="{7CE6D4B3-3277-43F5-9721-7AA08BF389B4}" type="datetimeFigureOut">
               <a:rPr lang="en-US" smtClean="0"/>
-              <a:t>4/12/2021</a:t>
+              <a:t>4/13/2021</a:t>
             </a:fld>
             <a:endParaRPr lang="en-US"/>
           </a:p>
@@ -2675,7 +2677,7 @@
           <a:p>
             <a:fld id="{7CE6D4B3-3277-43F5-9721-7AA08BF389B4}" type="datetimeFigureOut">
               <a:rPr lang="en-US" smtClean="0"/>
-              <a:t>4/12/2021</a:t>
+              <a:t>4/13/2021</a:t>
             </a:fld>
             <a:endParaRPr lang="en-US"/>
           </a:p>
@@ -2916,7 +2918,7 @@
           <a:p>
             <a:fld id="{7CE6D4B3-3277-43F5-9721-7AA08BF389B4}" type="datetimeFigureOut">
               <a:rPr lang="en-US" smtClean="0"/>
-              <a:t>4/12/2021</a:t>
+              <a:t>4/13/2021</a:t>
             </a:fld>
             <a:endParaRPr lang="en-US"/>
           </a:p>
@@ -3649,6 +3651,66 @@
 </p:sld>
 </file>
 
+<file path=ppt/slides/slide10.xml><?xml version="1.0" encoding="utf-8"?>
+<p:sld xmlns:a="http://schemas.openxmlformats.org/drawingml/2006/main" xmlns:r="http://schemas.openxmlformats.org/officeDocument/2006/relationships" xmlns:p="http://schemas.openxmlformats.org/presentationml/2006/main">
+  <p:cSld>
+    <p:spTree>
+      <p:nvGrpSpPr>
+        <p:cNvPr id="1" name=""/>
+        <p:cNvGrpSpPr/>
+        <p:nvPr/>
+      </p:nvGrpSpPr>
+      <p:grpSpPr>
+        <a:xfrm>
+          <a:off x="0" y="0"/>
+          <a:ext cx="0" cy="0"/>
+          <a:chOff x="0" y="0"/>
+          <a:chExt cx="0" cy="0"/>
+        </a:xfrm>
+      </p:grpSpPr>
+      <p:pic>
+        <p:nvPicPr>
+          <p:cNvPr id="15" name="Picture 14">
+            <a:extLst>
+              <a:ext uri="{FF2B5EF4-FFF2-40B4-BE49-F238E27FC236}">
+                <a16:creationId xmlns:a16="http://schemas.microsoft.com/office/drawing/2014/main" id="{62E6BB47-B015-430A-ABE4-3F9309E8A04D}"/>
+              </a:ext>
+            </a:extLst>
+          </p:cNvPr>
+          <p:cNvPicPr>
+            <a:picLocks noChangeAspect="1"/>
+          </p:cNvPicPr>
+          <p:nvPr/>
+        </p:nvPicPr>
+        <p:blipFill>
+          <a:blip r:embed="rId2"/>
+          <a:stretch>
+            <a:fillRect/>
+          </a:stretch>
+        </p:blipFill>
+        <p:spPr>
+          <a:xfrm>
+            <a:off x="2453324" y="1532979"/>
+            <a:ext cx="7285351" cy="3792041"/>
+          </a:xfrm>
+          <a:prstGeom prst="rect">
+            <a:avLst/>
+          </a:prstGeom>
+        </p:spPr>
+      </p:pic>
+    </p:spTree>
+    <p:extLst>
+      <p:ext uri="{BB962C8B-B14F-4D97-AF65-F5344CB8AC3E}">
+        <p14:creationId xmlns:p14="http://schemas.microsoft.com/office/powerpoint/2010/main" val="4185193568"/>
+      </p:ext>
+    </p:extLst>
+  </p:cSld>
+  <p:clrMapOvr>
+    <a:masterClrMapping/>
+  </p:clrMapOvr>
+</p:sld>
+</file>
+
 <file path=ppt/slides/slide2.xml><?xml version="1.0" encoding="utf-8"?>
 <p:sld xmlns:a="http://schemas.openxmlformats.org/drawingml/2006/main" xmlns:r="http://schemas.openxmlformats.org/officeDocument/2006/relationships" xmlns:p="http://schemas.openxmlformats.org/presentationml/2006/main">
   <p:cSld>
@@ -4633,7 +4695,7 @@
         </p:nvSpPr>
         <p:spPr>
           <a:xfrm>
-            <a:off x="5972556" y="3305556"/>
+            <a:off x="7731070" y="5008553"/>
             <a:ext cx="246888" cy="246888"/>
           </a:xfrm>
           <a:prstGeom prst="ellipse">
@@ -4677,7 +4739,7 @@
         </p:nvSpPr>
         <p:spPr>
           <a:xfrm>
-            <a:off x="4193457" y="2237601"/>
+            <a:off x="4229572" y="5301829"/>
             <a:ext cx="3805084" cy="646331"/>
           </a:xfrm>
           <a:prstGeom prst="rect">
@@ -4720,7 +4782,7 @@
         </p:nvSpPr>
         <p:spPr>
           <a:xfrm>
-            <a:off x="4399986" y="3518875"/>
+            <a:off x="6158501" y="5304188"/>
             <a:ext cx="3392026" cy="646331"/>
           </a:xfrm>
           <a:prstGeom prst="rect">
@@ -5266,6 +5328,210 @@
     <p:extLst>
       <p:ext uri="{BB962C8B-B14F-4D97-AF65-F5344CB8AC3E}">
         <p14:creationId xmlns:p14="http://schemas.microsoft.com/office/powerpoint/2010/main" val="1842327230"/>
+      </p:ext>
+    </p:extLst>
+  </p:cSld>
+  <p:clrMapOvr>
+    <a:masterClrMapping/>
+  </p:clrMapOvr>
+</p:sld>
+</file>
+
+<file path=ppt/slides/slide9.xml><?xml version="1.0" encoding="utf-8"?>
+<p:sld xmlns:a="http://schemas.openxmlformats.org/drawingml/2006/main" xmlns:r="http://schemas.openxmlformats.org/officeDocument/2006/relationships" xmlns:p="http://schemas.openxmlformats.org/presentationml/2006/main">
+  <p:cSld>
+    <p:spTree>
+      <p:nvGrpSpPr>
+        <p:cNvPr id="1" name=""/>
+        <p:cNvGrpSpPr/>
+        <p:nvPr/>
+      </p:nvGrpSpPr>
+      <p:grpSpPr>
+        <a:xfrm>
+          <a:off x="0" y="0"/>
+          <a:ext cx="0" cy="0"/>
+          <a:chOff x="0" y="0"/>
+          <a:chExt cx="0" cy="0"/>
+        </a:xfrm>
+      </p:grpSpPr>
+      <p:sp>
+        <p:nvSpPr>
+          <p:cNvPr id="10" name="Oval 9">
+            <a:extLst>
+              <a:ext uri="{FF2B5EF4-FFF2-40B4-BE49-F238E27FC236}">
+                <a16:creationId xmlns:a16="http://schemas.microsoft.com/office/drawing/2014/main" id="{0CF6A6DD-6FDE-4138-B5BF-512B625FD528}"/>
+              </a:ext>
+            </a:extLst>
+          </p:cNvPr>
+          <p:cNvSpPr/>
+          <p:nvPr/>
+        </p:nvSpPr>
+        <p:spPr>
+          <a:xfrm>
+            <a:off x="2932922" y="1684176"/>
+            <a:ext cx="3657600" cy="3657600"/>
+          </a:xfrm>
+          <a:prstGeom prst="ellipse">
+            <a:avLst/>
+          </a:prstGeom>
+        </p:spPr>
+        <p:style>
+          <a:lnRef idx="0">
+            <a:schemeClr val="accent2"/>
+          </a:lnRef>
+          <a:fillRef idx="3">
+            <a:schemeClr val="accent2"/>
+          </a:fillRef>
+          <a:effectRef idx="3">
+            <a:schemeClr val="accent2"/>
+          </a:effectRef>
+          <a:fontRef idx="minor">
+            <a:schemeClr val="lt1"/>
+          </a:fontRef>
+        </p:style>
+        <p:txBody>
+          <a:bodyPr rtlCol="0" anchor="ctr"/>
+          <a:lstStyle/>
+          <a:p>
+            <a:pPr algn="ctr"/>
+            <a:endParaRPr lang="en-US" dirty="0"/>
+          </a:p>
+        </p:txBody>
+      </p:sp>
+      <p:sp>
+        <p:nvSpPr>
+          <p:cNvPr id="11" name="Oval 10">
+            <a:extLst>
+              <a:ext uri="{FF2B5EF4-FFF2-40B4-BE49-F238E27FC236}">
+                <a16:creationId xmlns:a16="http://schemas.microsoft.com/office/drawing/2014/main" id="{1DCCCBE0-3E89-4425-9ECE-0F00CA1526FA}"/>
+              </a:ext>
+            </a:extLst>
+          </p:cNvPr>
+          <p:cNvSpPr/>
+          <p:nvPr/>
+        </p:nvSpPr>
+        <p:spPr>
+          <a:xfrm>
+            <a:off x="6498475" y="4895167"/>
+            <a:ext cx="246888" cy="246888"/>
+          </a:xfrm>
+          <a:prstGeom prst="ellipse">
+            <a:avLst/>
+          </a:prstGeom>
+        </p:spPr>
+        <p:style>
+          <a:lnRef idx="0">
+            <a:schemeClr val="accent6"/>
+          </a:lnRef>
+          <a:fillRef idx="3">
+            <a:schemeClr val="accent6"/>
+          </a:fillRef>
+          <a:effectRef idx="3">
+            <a:schemeClr val="accent6"/>
+          </a:effectRef>
+          <a:fontRef idx="minor">
+            <a:schemeClr val="lt1"/>
+          </a:fontRef>
+        </p:style>
+        <p:txBody>
+          <a:bodyPr rtlCol="0" anchor="ctr"/>
+          <a:lstStyle/>
+          <a:p>
+            <a:pPr algn="ctr"/>
+            <a:endParaRPr lang="en-US"/>
+          </a:p>
+        </p:txBody>
+      </p:sp>
+      <p:sp>
+        <p:nvSpPr>
+          <p:cNvPr id="12" name="TextBox 11">
+            <a:extLst>
+              <a:ext uri="{FF2B5EF4-FFF2-40B4-BE49-F238E27FC236}">
+                <a16:creationId xmlns:a16="http://schemas.microsoft.com/office/drawing/2014/main" id="{34FDC1D1-6AE1-4643-B038-899666861D84}"/>
+              </a:ext>
+            </a:extLst>
+          </p:cNvPr>
+          <p:cNvSpPr txBox="1"/>
+          <p:nvPr/>
+        </p:nvSpPr>
+        <p:spPr>
+          <a:xfrm>
+            <a:off x="6350289" y="3105834"/>
+            <a:ext cx="3805084" cy="646331"/>
+          </a:xfrm>
+          <a:prstGeom prst="rect">
+            <a:avLst/>
+          </a:prstGeom>
+          <a:noFill/>
+        </p:spPr>
+        <p:txBody>
+          <a:bodyPr wrap="square">
+            <a:spAutoFit/>
+          </a:bodyPr>
+          <a:lstStyle/>
+          <a:p>
+            <a:pPr algn="ctr"/>
+            <a:r>
+              <a:rPr lang="en-US" b="1" dirty="0"/>
+              <a:t>Initial Composite Data</a:t>
+            </a:r>
+          </a:p>
+          <a:p>
+            <a:pPr algn="ctr"/>
+            <a:r>
+              <a:rPr lang="en-US" b="1" dirty="0"/>
+              <a:t>11289 Observations, 30 Factors</a:t>
+            </a:r>
+          </a:p>
+        </p:txBody>
+      </p:sp>
+      <p:sp>
+        <p:nvSpPr>
+          <p:cNvPr id="13" name="TextBox 12">
+            <a:extLst>
+              <a:ext uri="{FF2B5EF4-FFF2-40B4-BE49-F238E27FC236}">
+                <a16:creationId xmlns:a16="http://schemas.microsoft.com/office/drawing/2014/main" id="{8B94AA4C-7614-4ECF-A069-4EF40FDA1097}"/>
+              </a:ext>
+            </a:extLst>
+          </p:cNvPr>
+          <p:cNvSpPr txBox="1"/>
+          <p:nvPr/>
+        </p:nvSpPr>
+        <p:spPr>
+          <a:xfrm>
+            <a:off x="6711673" y="4695445"/>
+            <a:ext cx="3266720" cy="646331"/>
+          </a:xfrm>
+          <a:prstGeom prst="rect">
+            <a:avLst/>
+          </a:prstGeom>
+          <a:noFill/>
+        </p:spPr>
+        <p:txBody>
+          <a:bodyPr wrap="square">
+            <a:spAutoFit/>
+          </a:bodyPr>
+          <a:lstStyle/>
+          <a:p>
+            <a:pPr algn="ctr"/>
+            <a:r>
+              <a:rPr lang="en-US" b="1" dirty="0"/>
+              <a:t>Data Without Missing Values</a:t>
+            </a:r>
+          </a:p>
+          <a:p>
+            <a:pPr algn="ctr"/>
+            <a:r>
+              <a:rPr lang="en-US" b="1" dirty="0"/>
+              <a:t>1021 Observations, 6 Factors</a:t>
+            </a:r>
+          </a:p>
+        </p:txBody>
+      </p:sp>
+    </p:spTree>
+    <p:extLst>
+      <p:ext uri="{BB962C8B-B14F-4D97-AF65-F5344CB8AC3E}">
+        <p14:creationId xmlns:p14="http://schemas.microsoft.com/office/powerpoint/2010/main" val="3085272324"/>
       </p:ext>
     </p:extLst>
   </p:cSld>
